--- a/Lecture Slides/04 Agile.pptx
+++ b/Lecture Slides/04 Agile.pptx
@@ -20,19 +20,19 @@
     <p:sldId id="260" r:id="rId8"/>
     <p:sldId id="291" r:id="rId9"/>
     <p:sldId id="262" r:id="rId10"/>
-    <p:sldId id="263" r:id="rId11"/>
-    <p:sldId id="268" r:id="rId12"/>
-    <p:sldId id="269" r:id="rId13"/>
-    <p:sldId id="270" r:id="rId14"/>
-    <p:sldId id="271" r:id="rId15"/>
-    <p:sldId id="273" r:id="rId16"/>
-    <p:sldId id="274" r:id="rId17"/>
-    <p:sldId id="272" r:id="rId18"/>
-    <p:sldId id="287" r:id="rId19"/>
-    <p:sldId id="277" r:id="rId20"/>
-    <p:sldId id="278" r:id="rId21"/>
-    <p:sldId id="280" r:id="rId22"/>
-    <p:sldId id="283" r:id="rId23"/>
+    <p:sldId id="283" r:id="rId11"/>
+    <p:sldId id="280" r:id="rId12"/>
+    <p:sldId id="263" r:id="rId13"/>
+    <p:sldId id="268" r:id="rId14"/>
+    <p:sldId id="269" r:id="rId15"/>
+    <p:sldId id="270" r:id="rId16"/>
+    <p:sldId id="271" r:id="rId17"/>
+    <p:sldId id="273" r:id="rId18"/>
+    <p:sldId id="274" r:id="rId19"/>
+    <p:sldId id="272" r:id="rId20"/>
+    <p:sldId id="287" r:id="rId21"/>
+    <p:sldId id="277" r:id="rId22"/>
+    <p:sldId id="278" r:id="rId23"/>
     <p:sldId id="281" r:id="rId24"/>
     <p:sldId id="290" r:id="rId25"/>
     <p:sldId id="282" r:id="rId26"/>
@@ -3692,2042 +3692,6 @@
 </file>
 
 <file path=ppt/slides/slide10.xml><?xml version="1.0" encoding="utf-8"?>
-<p:sld xmlns:a="http://schemas.openxmlformats.org/drawingml/2006/main" xmlns:r="http://schemas.openxmlformats.org/officeDocument/2006/relationships" xmlns:p="http://schemas.openxmlformats.org/presentationml/2006/main">
-  <p:cSld>
-    <p:spTree>
-      <p:nvGrpSpPr>
-        <p:cNvPr id="1" name=""/>
-        <p:cNvGrpSpPr/>
-        <p:nvPr/>
-      </p:nvGrpSpPr>
-      <p:grpSpPr>
-        <a:xfrm>
-          <a:off x="0" y="0"/>
-          <a:ext cx="0" cy="0"/>
-          <a:chOff x="0" y="0"/>
-          <a:chExt cx="0" cy="0"/>
-        </a:xfrm>
-      </p:grpSpPr>
-      <p:sp>
-        <p:nvSpPr>
-          <p:cNvPr id="2" name="Title 1"/>
-          <p:cNvSpPr>
-            <a:spLocks noGrp="1"/>
-          </p:cNvSpPr>
-          <p:nvPr>
-            <p:ph type="title"/>
-          </p:nvPr>
-        </p:nvSpPr>
-        <p:spPr/>
-        <p:txBody>
-          <a:bodyPr/>
-          <a:lstStyle/>
-          <a:p>
-            <a:r>
-              <a:rPr lang="en-GB" dirty="0"/>
-              <a:t>Agile Methods</a:t>
-            </a:r>
-          </a:p>
-        </p:txBody>
-      </p:sp>
-      <p:sp>
-        <p:nvSpPr>
-          <p:cNvPr id="3" name="Content Placeholder 2"/>
-          <p:cNvSpPr>
-            <a:spLocks noGrp="1"/>
-          </p:cNvSpPr>
-          <p:nvPr>
-            <p:ph idx="1"/>
-          </p:nvPr>
-        </p:nvSpPr>
-        <p:spPr/>
-        <p:txBody>
-          <a:bodyPr>
-            <a:normAutofit/>
-          </a:bodyPr>
-          <a:lstStyle/>
-          <a:p>
-            <a:r>
-              <a:rPr lang="en-GB" dirty="0"/>
-              <a:t>There are various approaches to Agile dev.</a:t>
-            </a:r>
-          </a:p>
-          <a:p>
-            <a:r>
-              <a:rPr lang="en-GB" dirty="0"/>
-              <a:t>Not just limited to software, but also other industries</a:t>
-            </a:r>
-          </a:p>
-          <a:p>
-            <a:endParaRPr lang="en-GB" dirty="0"/>
-          </a:p>
-          <a:p>
-            <a:r>
-              <a:rPr lang="en-GB" dirty="0"/>
-              <a:t>We'll focus on Extreme Programming (XP)</a:t>
-            </a:r>
-          </a:p>
-          <a:p>
-            <a:r>
-              <a:rPr lang="en-GB" dirty="0"/>
-              <a:t>Mainly because its popular and well documented</a:t>
-            </a:r>
-          </a:p>
-          <a:p>
-            <a:endParaRPr lang="en-GB" dirty="0"/>
-          </a:p>
-          <a:p>
-            <a:r>
-              <a:rPr lang="en-GB" dirty="0"/>
-              <a:t>We won't be covering all aspects - it's too big !</a:t>
-            </a:r>
-          </a:p>
-          <a:p>
-            <a:r>
-              <a:rPr lang="en-GB" dirty="0"/>
-              <a:t>But will introduce a number of key “practices”</a:t>
-            </a:r>
-          </a:p>
-          <a:p>
-            <a:r>
-              <a:rPr lang="en-GB" dirty="0"/>
-              <a:t>Should hopefully be useful in your coming projects</a:t>
-            </a:r>
-          </a:p>
-        </p:txBody>
-      </p:sp>
-    </p:spTree>
-    <p:extLst>
-      <p:ext uri="{BB962C8B-B14F-4D97-AF65-F5344CB8AC3E}">
-        <p14:creationId xmlns:p14="http://schemas.microsoft.com/office/powerpoint/2010/main" val="990451460"/>
-      </p:ext>
-    </p:extLst>
-  </p:cSld>
-  <p:clrMapOvr>
-    <a:masterClrMapping/>
-  </p:clrMapOvr>
-</p:sld>
-</file>
-
-<file path=ppt/slides/slide11.xml><?xml version="1.0" encoding="utf-8"?>
-<p:sld xmlns:a="http://schemas.openxmlformats.org/drawingml/2006/main" xmlns:r="http://schemas.openxmlformats.org/officeDocument/2006/relationships" xmlns:p="http://schemas.openxmlformats.org/presentationml/2006/main">
-  <p:cSld>
-    <p:spTree>
-      <p:nvGrpSpPr>
-        <p:cNvPr id="1" name=""/>
-        <p:cNvGrpSpPr/>
-        <p:nvPr/>
-      </p:nvGrpSpPr>
-      <p:grpSpPr>
-        <a:xfrm>
-          <a:off x="0" y="0"/>
-          <a:ext cx="0" cy="0"/>
-          <a:chOff x="0" y="0"/>
-          <a:chExt cx="0" cy="0"/>
-        </a:xfrm>
-      </p:grpSpPr>
-      <p:sp>
-        <p:nvSpPr>
-          <p:cNvPr id="2" name="Title 1"/>
-          <p:cNvSpPr>
-            <a:spLocks noGrp="1"/>
-          </p:cNvSpPr>
-          <p:nvPr>
-            <p:ph type="title"/>
-          </p:nvPr>
-        </p:nvSpPr>
-        <p:spPr/>
-        <p:txBody>
-          <a:bodyPr/>
-          <a:lstStyle/>
-          <a:p>
-            <a:r>
-              <a:rPr lang="en-GB" dirty="0"/>
-              <a:t>Key XP Practices (1)</a:t>
-            </a:r>
-          </a:p>
-        </p:txBody>
-      </p:sp>
-      <p:sp>
-        <p:nvSpPr>
-          <p:cNvPr id="3" name="Content Placeholder 2"/>
-          <p:cNvSpPr>
-            <a:spLocks noGrp="1"/>
-          </p:cNvSpPr>
-          <p:nvPr>
-            <p:ph idx="1"/>
-          </p:nvPr>
-        </p:nvSpPr>
-        <p:spPr/>
-        <p:txBody>
-          <a:bodyPr>
-            <a:normAutofit/>
-          </a:bodyPr>
-          <a:lstStyle/>
-          <a:p>
-            <a:r>
-              <a:rPr lang="en-GB" dirty="0"/>
-              <a:t>Pair programming - Two heads are better than one</a:t>
-            </a:r>
-          </a:p>
-          <a:p>
-            <a:r>
-              <a:rPr lang="en-GB" dirty="0"/>
-              <a:t>Planning "game" - Meetings to plan releases</a:t>
-            </a:r>
-          </a:p>
-          <a:p>
-            <a:r>
-              <a:rPr lang="en-GB" dirty="0"/>
-              <a:t>Continuous integration - System </a:t>
-            </a:r>
-            <a:r>
-              <a:rPr lang="en-GB" b="1" i="1" u="sng" dirty="0"/>
-              <a:t>always</a:t>
-            </a:r>
-            <a:r>
-              <a:rPr lang="en-GB" dirty="0"/>
-              <a:t> functioning</a:t>
-            </a:r>
-          </a:p>
-          <a:p>
-            <a:r>
-              <a:rPr lang="en-GB" dirty="0"/>
-              <a:t>Test driven - Code </a:t>
-            </a:r>
-            <a:r>
-              <a:rPr lang="en-GB" b="1" i="1" u="sng" dirty="0"/>
-              <a:t>always</a:t>
-            </a:r>
-            <a:r>
-              <a:rPr lang="en-GB" dirty="0"/>
-              <a:t> runs correctly</a:t>
-            </a:r>
-          </a:p>
-          <a:p>
-            <a:r>
-              <a:rPr lang="en-GB" dirty="0"/>
-              <a:t>Whole team - Everyone included in everything 				  (even the client !)</a:t>
-            </a:r>
-          </a:p>
-          <a:p>
-            <a:r>
-              <a:rPr lang="en-GB" dirty="0"/>
-              <a:t>Design improvement - refactor the whole system structure, when ever things get messy</a:t>
-            </a:r>
-          </a:p>
-        </p:txBody>
-      </p:sp>
-    </p:spTree>
-    <p:extLst>
-      <p:ext uri="{BB962C8B-B14F-4D97-AF65-F5344CB8AC3E}">
-        <p14:creationId xmlns:p14="http://schemas.microsoft.com/office/powerpoint/2010/main" val="3423110453"/>
-      </p:ext>
-    </p:extLst>
-  </p:cSld>
-  <p:clrMapOvr>
-    <a:masterClrMapping/>
-  </p:clrMapOvr>
-</p:sld>
-</file>
-
-<file path=ppt/slides/slide12.xml><?xml version="1.0" encoding="utf-8"?>
-<p:sld xmlns:a="http://schemas.openxmlformats.org/drawingml/2006/main" xmlns:r="http://schemas.openxmlformats.org/officeDocument/2006/relationships" xmlns:p="http://schemas.openxmlformats.org/presentationml/2006/main">
-  <p:cSld>
-    <p:spTree>
-      <p:nvGrpSpPr>
-        <p:cNvPr id="1" name=""/>
-        <p:cNvGrpSpPr/>
-        <p:nvPr/>
-      </p:nvGrpSpPr>
-      <p:grpSpPr>
-        <a:xfrm>
-          <a:off x="0" y="0"/>
-          <a:ext cx="0" cy="0"/>
-          <a:chOff x="0" y="0"/>
-          <a:chExt cx="0" cy="0"/>
-        </a:xfrm>
-      </p:grpSpPr>
-      <p:sp>
-        <p:nvSpPr>
-          <p:cNvPr id="2" name="Title 1"/>
-          <p:cNvSpPr>
-            <a:spLocks noGrp="1"/>
-          </p:cNvSpPr>
-          <p:nvPr>
-            <p:ph type="title"/>
-          </p:nvPr>
-        </p:nvSpPr>
-        <p:spPr/>
-        <p:txBody>
-          <a:bodyPr/>
-          <a:lstStyle/>
-          <a:p>
-            <a:r>
-              <a:rPr lang="en-GB" dirty="0"/>
-              <a:t>Key XP Practices (2)</a:t>
-            </a:r>
-          </a:p>
-        </p:txBody>
-      </p:sp>
-      <p:sp>
-        <p:nvSpPr>
-          <p:cNvPr id="3" name="Content Placeholder 2"/>
-          <p:cNvSpPr>
-            <a:spLocks noGrp="1"/>
-          </p:cNvSpPr>
-          <p:nvPr>
-            <p:ph idx="1"/>
-          </p:nvPr>
-        </p:nvSpPr>
-        <p:spPr/>
-        <p:txBody>
-          <a:bodyPr>
-            <a:normAutofit/>
-          </a:bodyPr>
-          <a:lstStyle/>
-          <a:p>
-            <a:r>
-              <a:rPr lang="en-GB" dirty="0"/>
-              <a:t>Small releases - deliver frequently, get feedback</a:t>
-            </a:r>
-          </a:p>
-          <a:p>
-            <a:r>
-              <a:rPr lang="en-GB" dirty="0"/>
-              <a:t>Coding standard - agreed style and format</a:t>
-            </a:r>
-          </a:p>
-          <a:p>
-            <a:r>
-              <a:rPr lang="en-GB" dirty="0"/>
-              <a:t>Collective ownership - everyone owns all code</a:t>
-            </a:r>
-          </a:p>
-          <a:p>
-            <a:r>
-              <a:rPr lang="en-GB" dirty="0"/>
-              <a:t>Simple design - simplest way to implement features</a:t>
-            </a:r>
-          </a:p>
-          <a:p>
-            <a:r>
-              <a:rPr lang="en-GB" dirty="0"/>
-              <a:t>System “metaphor” - shared high-level concept</a:t>
-            </a:r>
-          </a:p>
-          <a:p>
-            <a:r>
-              <a:rPr lang="en-GB" dirty="0"/>
-              <a:t>Sustainable pace - effort is constant, manageable</a:t>
-            </a:r>
-          </a:p>
-        </p:txBody>
-      </p:sp>
-    </p:spTree>
-    <p:extLst>
-      <p:ext uri="{BB962C8B-B14F-4D97-AF65-F5344CB8AC3E}">
-        <p14:creationId xmlns:p14="http://schemas.microsoft.com/office/powerpoint/2010/main" val="1942513"/>
-      </p:ext>
-    </p:extLst>
-  </p:cSld>
-  <p:clrMapOvr>
-    <a:masterClrMapping/>
-  </p:clrMapOvr>
-</p:sld>
-</file>
-
-<file path=ppt/slides/slide13.xml><?xml version="1.0" encoding="utf-8"?>
-<p:sld xmlns:a="http://schemas.openxmlformats.org/drawingml/2006/main" xmlns:r="http://schemas.openxmlformats.org/officeDocument/2006/relationships" xmlns:p="http://schemas.openxmlformats.org/presentationml/2006/main">
-  <p:cSld>
-    <p:spTree>
-      <p:nvGrpSpPr>
-        <p:cNvPr id="1" name=""/>
-        <p:cNvGrpSpPr/>
-        <p:nvPr/>
-      </p:nvGrpSpPr>
-      <p:grpSpPr>
-        <a:xfrm>
-          <a:off x="0" y="0"/>
-          <a:ext cx="0" cy="0"/>
-          <a:chOff x="0" y="0"/>
-          <a:chExt cx="0" cy="0"/>
-        </a:xfrm>
-      </p:grpSpPr>
-      <p:sp>
-        <p:nvSpPr>
-          <p:cNvPr id="2" name="Title 1"/>
-          <p:cNvSpPr>
-            <a:spLocks noGrp="1"/>
-          </p:cNvSpPr>
-          <p:nvPr>
-            <p:ph type="title"/>
-          </p:nvPr>
-        </p:nvSpPr>
-        <p:spPr/>
-        <p:txBody>
-          <a:bodyPr/>
-          <a:lstStyle/>
-          <a:p>
-            <a:r>
-              <a:rPr lang="en-GB" dirty="0"/>
-              <a:t>XP Anti-practices (1)</a:t>
-            </a:r>
-          </a:p>
-        </p:txBody>
-      </p:sp>
-      <p:sp>
-        <p:nvSpPr>
-          <p:cNvPr id="3" name="Content Placeholder 2"/>
-          <p:cNvSpPr>
-            <a:spLocks noGrp="1"/>
-          </p:cNvSpPr>
-          <p:nvPr>
-            <p:ph idx="1"/>
-          </p:nvPr>
-        </p:nvSpPr>
-        <p:spPr/>
-        <p:txBody>
-          <a:bodyPr>
-            <a:normAutofit/>
-          </a:bodyPr>
-          <a:lstStyle/>
-          <a:p>
-            <a:r>
-              <a:rPr lang="en-GB" dirty="0"/>
-              <a:t>Programmers work primarily on their own</a:t>
-            </a:r>
-          </a:p>
-          <a:p>
-            <a:r>
-              <a:rPr lang="en-GB" dirty="0"/>
-              <a:t>Releases aren't planned, but just happen</a:t>
-            </a:r>
-          </a:p>
-          <a:p>
-            <a:r>
-              <a:rPr lang="en-GB" dirty="0"/>
-              <a:t>System tested late-on when almost finished</a:t>
-            </a:r>
-          </a:p>
-          <a:p>
-            <a:r>
-              <a:rPr lang="en-GB" dirty="0"/>
-              <a:t>"them and us" attitude to client and developer</a:t>
-            </a:r>
-          </a:p>
-          <a:p>
-            <a:r>
-              <a:rPr lang="en-GB" dirty="0"/>
-              <a:t>System consists of non-operating fragments</a:t>
-            </a:r>
-          </a:p>
-          <a:p>
-            <a:r>
-              <a:rPr lang="en-GB" dirty="0"/>
-              <a:t>Whole system only works at a late stage in process</a:t>
-            </a:r>
-          </a:p>
-          <a:p>
-            <a:r>
-              <a:rPr lang="en-GB" dirty="0"/>
-              <a:t>System designed once at beginning</a:t>
-            </a:r>
-          </a:p>
-          <a:p>
-            <a:pPr marL="0" indent="0">
-              <a:buNone/>
-            </a:pPr>
-            <a:r>
-              <a:rPr lang="en-GB" dirty="0"/>
-              <a:t>  (and doesn't change)</a:t>
-            </a:r>
-          </a:p>
-        </p:txBody>
-      </p:sp>
-    </p:spTree>
-    <p:extLst>
-      <p:ext uri="{BB962C8B-B14F-4D97-AF65-F5344CB8AC3E}">
-        <p14:creationId xmlns:p14="http://schemas.microsoft.com/office/powerpoint/2010/main" val="2566001804"/>
-      </p:ext>
-    </p:extLst>
-  </p:cSld>
-  <p:clrMapOvr>
-    <a:masterClrMapping/>
-  </p:clrMapOvr>
-</p:sld>
-</file>
-
-<file path=ppt/slides/slide14.xml><?xml version="1.0" encoding="utf-8"?>
-<p:sld xmlns:a="http://schemas.openxmlformats.org/drawingml/2006/main" xmlns:r="http://schemas.openxmlformats.org/officeDocument/2006/relationships" xmlns:p="http://schemas.openxmlformats.org/presentationml/2006/main">
-  <p:cSld>
-    <p:spTree>
-      <p:nvGrpSpPr>
-        <p:cNvPr id="1" name=""/>
-        <p:cNvGrpSpPr/>
-        <p:nvPr/>
-      </p:nvGrpSpPr>
-      <p:grpSpPr>
-        <a:xfrm>
-          <a:off x="0" y="0"/>
-          <a:ext cx="0" cy="0"/>
-          <a:chOff x="0" y="0"/>
-          <a:chExt cx="0" cy="0"/>
-        </a:xfrm>
-      </p:grpSpPr>
-      <p:sp>
-        <p:nvSpPr>
-          <p:cNvPr id="2" name="Title 1"/>
-          <p:cNvSpPr>
-            <a:spLocks noGrp="1"/>
-          </p:cNvSpPr>
-          <p:nvPr>
-            <p:ph type="title"/>
-          </p:nvPr>
-        </p:nvSpPr>
-        <p:spPr/>
-        <p:txBody>
-          <a:bodyPr/>
-          <a:lstStyle/>
-          <a:p>
-            <a:r>
-              <a:rPr lang="en-GB" dirty="0"/>
-              <a:t>XP Anti-practices (2)</a:t>
-            </a:r>
-          </a:p>
-        </p:txBody>
-      </p:sp>
-      <p:sp>
-        <p:nvSpPr>
-          <p:cNvPr id="3" name="Content Placeholder 2"/>
-          <p:cNvSpPr>
-            <a:spLocks noGrp="1"/>
-          </p:cNvSpPr>
-          <p:nvPr>
-            <p:ph idx="1"/>
-          </p:nvPr>
-        </p:nvSpPr>
-        <p:spPr/>
-        <p:txBody>
-          <a:bodyPr>
-            <a:normAutofit/>
-          </a:bodyPr>
-          <a:lstStyle/>
-          <a:p>
-            <a:r>
-              <a:rPr lang="en-GB" dirty="0"/>
-              <a:t>Clients only see finished product at end of project</a:t>
-            </a:r>
-          </a:p>
-          <a:p>
-            <a:r>
-              <a:rPr lang="en-GB" dirty="0"/>
-              <a:t>Everyone writes code in their own style</a:t>
-            </a:r>
-          </a:p>
-          <a:p>
-            <a:r>
-              <a:rPr lang="en-GB" dirty="0"/>
-              <a:t>You are responsible for just your own code</a:t>
-            </a:r>
-          </a:p>
-          <a:p>
-            <a:r>
-              <a:rPr lang="en-GB" dirty="0"/>
-              <a:t>Structure of design is complex and sophisticated</a:t>
-            </a:r>
-          </a:p>
-          <a:p>
-            <a:r>
-              <a:rPr lang="en-GB" dirty="0"/>
-              <a:t>No standard and agreed vision of the system</a:t>
-            </a:r>
-          </a:p>
-          <a:p>
-            <a:r>
-              <a:rPr lang="en-GB" dirty="0"/>
-              <a:t>Dev. takes place in heroic bursts…</a:t>
-            </a:r>
-          </a:p>
-          <a:p>
-            <a:r>
-              <a:rPr lang="en-GB" dirty="0"/>
-              <a:t>Some weekends are worked !</a:t>
-            </a:r>
-          </a:p>
-        </p:txBody>
-      </p:sp>
-    </p:spTree>
-    <p:extLst>
-      <p:ext uri="{BB962C8B-B14F-4D97-AF65-F5344CB8AC3E}">
-        <p14:creationId xmlns:p14="http://schemas.microsoft.com/office/powerpoint/2010/main" val="1425832061"/>
-      </p:ext>
-    </p:extLst>
-  </p:cSld>
-  <p:clrMapOvr>
-    <a:masterClrMapping/>
-  </p:clrMapOvr>
-</p:sld>
-</file>
-
-<file path=ppt/slides/slide15.xml><?xml version="1.0" encoding="utf-8"?>
-<p:sld xmlns:a="http://schemas.openxmlformats.org/drawingml/2006/main" xmlns:r="http://schemas.openxmlformats.org/officeDocument/2006/relationships" xmlns:p="http://schemas.openxmlformats.org/presentationml/2006/main">
-  <p:cSld>
-    <p:spTree>
-      <p:nvGrpSpPr>
-        <p:cNvPr id="1" name=""/>
-        <p:cNvGrpSpPr/>
-        <p:nvPr/>
-      </p:nvGrpSpPr>
-      <p:grpSpPr>
-        <a:xfrm>
-          <a:off x="0" y="0"/>
-          <a:ext cx="0" cy="0"/>
-          <a:chOff x="0" y="0"/>
-          <a:chExt cx="0" cy="0"/>
-        </a:xfrm>
-      </p:grpSpPr>
-      <p:sp>
-        <p:nvSpPr>
-          <p:cNvPr id="2" name="Title 1"/>
-          <p:cNvSpPr>
-            <a:spLocks noGrp="1"/>
-          </p:cNvSpPr>
-          <p:nvPr>
-            <p:ph type="title"/>
-          </p:nvPr>
-        </p:nvSpPr>
-        <p:spPr/>
-        <p:txBody>
-          <a:bodyPr/>
-          <a:lstStyle/>
-          <a:p>
-            <a:r>
-              <a:rPr lang="en-GB" dirty="0"/>
-              <a:t>Pair programming in more detail</a:t>
-            </a:r>
-          </a:p>
-        </p:txBody>
-      </p:sp>
-      <p:sp>
-        <p:nvSpPr>
-          <p:cNvPr id="3" name="Content Placeholder 2"/>
-          <p:cNvSpPr>
-            <a:spLocks noGrp="1"/>
-          </p:cNvSpPr>
-          <p:nvPr>
-            <p:ph idx="1"/>
-          </p:nvPr>
-        </p:nvSpPr>
-        <p:spPr/>
-        <p:txBody>
-          <a:bodyPr>
-            <a:normAutofit fontScale="92500"/>
-          </a:bodyPr>
-          <a:lstStyle/>
-          <a:p>
-            <a:r>
-              <a:rPr lang="en-GB" dirty="0"/>
-              <a:t>All code written by two programmers on one machine</a:t>
-            </a:r>
-          </a:p>
-          <a:p>
-            <a:r>
-              <a:rPr lang="en-GB" sz="2600" dirty="0"/>
-              <a:t>Helm - uses keyboard / mouse, does coding</a:t>
-            </a:r>
-          </a:p>
-          <a:p>
-            <a:r>
-              <a:rPr lang="en-GB" sz="2600" dirty="0"/>
-              <a:t>Tactician - thinks about implications &amp; problems</a:t>
-            </a:r>
-          </a:p>
-          <a:p>
-            <a:endParaRPr lang="en-GB" dirty="0"/>
-          </a:p>
-          <a:p>
-            <a:r>
-              <a:rPr lang="en-GB" dirty="0"/>
-              <a:t>The idea is that all code is reviewed as it is written !</a:t>
-            </a:r>
-          </a:p>
-          <a:p>
-            <a:r>
-              <a:rPr lang="en-GB" dirty="0"/>
-              <a:t>The pair don't "own" that code - anyone can change it</a:t>
-            </a:r>
-          </a:p>
-          <a:p>
-            <a:r>
-              <a:rPr lang="en-GB" dirty="0"/>
-              <a:t>Pairings can (and should) evolve at any time</a:t>
-            </a:r>
-          </a:p>
-          <a:p>
-            <a:r>
-              <a:rPr lang="en-GB" dirty="0"/>
-              <a:t>Pair </a:t>
-            </a:r>
-            <a:r>
-              <a:rPr lang="en-GB" dirty="0" err="1"/>
-              <a:t>prog</a:t>
-            </a:r>
-            <a:r>
-              <a:rPr lang="en-GB" dirty="0"/>
-              <a:t>. is an essential communication mechanisms</a:t>
-            </a:r>
-          </a:p>
-          <a:p>
-            <a:r>
-              <a:rPr lang="en-GB" dirty="0"/>
-              <a:t>Tactician is in ideal position to recommend refactoring</a:t>
-            </a:r>
-          </a:p>
-        </p:txBody>
-      </p:sp>
-    </p:spTree>
-    <p:extLst>
-      <p:ext uri="{BB962C8B-B14F-4D97-AF65-F5344CB8AC3E}">
-        <p14:creationId xmlns:p14="http://schemas.microsoft.com/office/powerpoint/2010/main" val="2429234359"/>
-      </p:ext>
-    </p:extLst>
-  </p:cSld>
-  <p:clrMapOvr>
-    <a:masterClrMapping/>
-  </p:clrMapOvr>
-</p:sld>
-</file>
-
-<file path=ppt/slides/slide16.xml><?xml version="1.0" encoding="utf-8"?>
-<p:sld xmlns:a="http://schemas.openxmlformats.org/drawingml/2006/main" xmlns:r="http://schemas.openxmlformats.org/officeDocument/2006/relationships" xmlns:p="http://schemas.openxmlformats.org/presentationml/2006/main">
-  <p:cSld>
-    <p:spTree>
-      <p:nvGrpSpPr>
-        <p:cNvPr id="1" name=""/>
-        <p:cNvGrpSpPr/>
-        <p:nvPr/>
-      </p:nvGrpSpPr>
-      <p:grpSpPr>
-        <a:xfrm>
-          <a:off x="0" y="0"/>
-          <a:ext cx="0" cy="0"/>
-          <a:chOff x="0" y="0"/>
-          <a:chExt cx="0" cy="0"/>
-        </a:xfrm>
-      </p:grpSpPr>
-      <p:sp>
-        <p:nvSpPr>
-          <p:cNvPr id="2" name="Title 1"/>
-          <p:cNvSpPr>
-            <a:spLocks noGrp="1"/>
-          </p:cNvSpPr>
-          <p:nvPr>
-            <p:ph type="title"/>
-          </p:nvPr>
-        </p:nvSpPr>
-        <p:spPr/>
-        <p:txBody>
-          <a:bodyPr/>
-          <a:lstStyle/>
-          <a:p>
-            <a:r>
-              <a:rPr lang="en-GB" dirty="0"/>
-              <a:t>Impact of pair programming</a:t>
-            </a:r>
-          </a:p>
-        </p:txBody>
-      </p:sp>
-      <p:sp>
-        <p:nvSpPr>
-          <p:cNvPr id="3" name="Content Placeholder 2"/>
-          <p:cNvSpPr>
-            <a:spLocks noGrp="1"/>
-          </p:cNvSpPr>
-          <p:nvPr>
-            <p:ph idx="1"/>
-          </p:nvPr>
-        </p:nvSpPr>
-        <p:spPr/>
-        <p:txBody>
-          <a:bodyPr/>
-          <a:lstStyle/>
-          <a:p>
-            <a:pPr marL="0" indent="0">
-              <a:buNone/>
-            </a:pPr>
-            <a:r>
-              <a:rPr lang="en-GB" dirty="0"/>
-              <a:t>Studies have assessed the impact of pair prog…</a:t>
-            </a:r>
-          </a:p>
-          <a:p>
-            <a:pPr marL="0" indent="0">
-              <a:buNone/>
-            </a:pPr>
-            <a:endParaRPr lang="en-GB" dirty="0"/>
-          </a:p>
-          <a:p>
-            <a:pPr marL="0" indent="0">
-              <a:buNone/>
-            </a:pPr>
-            <a:r>
-              <a:rPr lang="en-GB" dirty="0"/>
-              <a:t>Single programmer 77 source lines per month</a:t>
-            </a:r>
-          </a:p>
-          <a:p>
-            <a:pPr marL="0" indent="0">
-              <a:buNone/>
-            </a:pPr>
-            <a:r>
-              <a:rPr lang="en-GB" dirty="0"/>
-              <a:t>Pair programming 175 source lines per month</a:t>
-            </a:r>
-          </a:p>
-          <a:p>
-            <a:pPr marL="0" indent="0">
-              <a:buNone/>
-            </a:pPr>
-            <a:r>
-              <a:rPr lang="en-GB" dirty="0"/>
-              <a:t>[Jensen, 2003]</a:t>
-            </a:r>
-          </a:p>
-          <a:p>
-            <a:pPr marL="0" indent="0">
-              <a:buNone/>
-            </a:pPr>
-            <a:endParaRPr lang="en-GB" dirty="0"/>
-          </a:p>
-          <a:p>
-            <a:pPr marL="0" indent="0">
-              <a:buNone/>
-            </a:pPr>
-            <a:r>
-              <a:rPr lang="en-GB" dirty="0"/>
-              <a:t>15% Increase in development costs, but 15% fewer software defects</a:t>
-            </a:r>
-          </a:p>
-          <a:p>
-            <a:pPr marL="0" indent="0">
-              <a:buNone/>
-            </a:pPr>
-            <a:r>
-              <a:rPr lang="en-GB" dirty="0"/>
-              <a:t>[Cockburn &amp; Williams, 2001]</a:t>
-            </a:r>
-          </a:p>
-        </p:txBody>
-      </p:sp>
-    </p:spTree>
-    <p:extLst>
-      <p:ext uri="{BB962C8B-B14F-4D97-AF65-F5344CB8AC3E}">
-        <p14:creationId xmlns:p14="http://schemas.microsoft.com/office/powerpoint/2010/main" val="2003515093"/>
-      </p:ext>
-    </p:extLst>
-  </p:cSld>
-  <p:clrMapOvr>
-    <a:masterClrMapping/>
-  </p:clrMapOvr>
-</p:sld>
-</file>
-
-<file path=ppt/slides/slide17.xml><?xml version="1.0" encoding="utf-8"?>
-<p:sld xmlns:a="http://schemas.openxmlformats.org/drawingml/2006/main" xmlns:r="http://schemas.openxmlformats.org/officeDocument/2006/relationships" xmlns:p="http://schemas.openxmlformats.org/presentationml/2006/main">
-  <p:cSld>
-    <p:spTree>
-      <p:nvGrpSpPr>
-        <p:cNvPr id="1" name=""/>
-        <p:cNvGrpSpPr/>
-        <p:nvPr/>
-      </p:nvGrpSpPr>
-      <p:grpSpPr>
-        <a:xfrm>
-          <a:off x="0" y="0"/>
-          <a:ext cx="0" cy="0"/>
-          <a:chOff x="0" y="0"/>
-          <a:chExt cx="0" cy="0"/>
-        </a:xfrm>
-      </p:grpSpPr>
-      <p:sp>
-        <p:nvSpPr>
-          <p:cNvPr id="2" name="Title 1"/>
-          <p:cNvSpPr>
-            <a:spLocks noGrp="1"/>
-          </p:cNvSpPr>
-          <p:nvPr>
-            <p:ph type="title"/>
-          </p:nvPr>
-        </p:nvSpPr>
-        <p:spPr/>
-        <p:txBody>
-          <a:bodyPr/>
-          <a:lstStyle/>
-          <a:p>
-            <a:r>
-              <a:rPr lang="en-GB" dirty="0"/>
-              <a:t>Test-driven Development</a:t>
-            </a:r>
-          </a:p>
-        </p:txBody>
-      </p:sp>
-      <p:sp>
-        <p:nvSpPr>
-          <p:cNvPr id="3" name="Content Placeholder 2"/>
-          <p:cNvSpPr>
-            <a:spLocks noGrp="1"/>
-          </p:cNvSpPr>
-          <p:nvPr>
-            <p:ph idx="1"/>
-          </p:nvPr>
-        </p:nvSpPr>
-        <p:spPr/>
-        <p:txBody>
-          <a:bodyPr>
-            <a:normAutofit/>
-          </a:bodyPr>
-          <a:lstStyle/>
-          <a:p>
-            <a:r>
-              <a:rPr lang="en-GB" sz="2200" dirty="0"/>
-              <a:t>All Agile processes should be "Test Driven"</a:t>
-            </a:r>
-          </a:p>
-          <a:p>
-            <a:r>
-              <a:rPr lang="en-GB" sz="2200" dirty="0"/>
-              <a:t>Tests written before any code &amp; leads all development</a:t>
-            </a:r>
-          </a:p>
-          <a:p>
-            <a:r>
-              <a:rPr lang="en-GB" sz="2200" dirty="0"/>
-              <a:t>Tests to check functional and non-functional aspects</a:t>
-            </a:r>
-          </a:p>
-          <a:p>
-            <a:r>
-              <a:rPr lang="en-GB" sz="2200" dirty="0"/>
-              <a:t>Ideally tests should be run automatically</a:t>
-            </a:r>
-          </a:p>
-          <a:p>
-            <a:r>
-              <a:rPr lang="en-GB" sz="2200" dirty="0"/>
-              <a:t>Programmers job is to write code to pass the tests</a:t>
-            </a:r>
-          </a:p>
-          <a:p>
-            <a:r>
-              <a:rPr lang="en-GB" sz="2200" dirty="0"/>
-              <a:t>If there’s no test for a feature - you don't implement it</a:t>
-            </a:r>
-          </a:p>
-          <a:p>
-            <a:r>
-              <a:rPr lang="en-GB" sz="2200" dirty="0"/>
-              <a:t>As such, the tests "are" the requirements of the system</a:t>
-            </a:r>
-          </a:p>
-          <a:p>
-            <a:r>
-              <a:rPr lang="en-GB" sz="2200" dirty="0"/>
-              <a:t>The test runner makes automatic verification possible !</a:t>
-            </a:r>
-          </a:p>
-        </p:txBody>
-      </p:sp>
-    </p:spTree>
-    <p:extLst>
-      <p:ext uri="{BB962C8B-B14F-4D97-AF65-F5344CB8AC3E}">
-        <p14:creationId xmlns:p14="http://schemas.microsoft.com/office/powerpoint/2010/main" val="3657958082"/>
-      </p:ext>
-    </p:extLst>
-  </p:cSld>
-  <p:clrMapOvr>
-    <a:masterClrMapping/>
-  </p:clrMapOvr>
-</p:sld>
-</file>
-
-<file path=ppt/slides/slide18.xml><?xml version="1.0" encoding="utf-8"?>
-<p:sld xmlns:a="http://schemas.openxmlformats.org/drawingml/2006/main" xmlns:r="http://schemas.openxmlformats.org/officeDocument/2006/relationships" xmlns:p="http://schemas.openxmlformats.org/presentationml/2006/main">
-  <p:cSld>
-    <p:spTree>
-      <p:nvGrpSpPr>
-        <p:cNvPr id="1" name=""/>
-        <p:cNvGrpSpPr/>
-        <p:nvPr/>
-      </p:nvGrpSpPr>
-      <p:grpSpPr>
-        <a:xfrm>
-          <a:off x="0" y="0"/>
-          <a:ext cx="0" cy="0"/>
-          <a:chOff x="0" y="0"/>
-          <a:chExt cx="0" cy="0"/>
-        </a:xfrm>
-      </p:grpSpPr>
-      <p:sp>
-        <p:nvSpPr>
-          <p:cNvPr id="2" name="Title 1"/>
-          <p:cNvSpPr>
-            <a:spLocks noGrp="1"/>
-          </p:cNvSpPr>
-          <p:nvPr>
-            <p:ph type="title"/>
-          </p:nvPr>
-        </p:nvSpPr>
-        <p:spPr/>
-        <p:txBody>
-          <a:bodyPr/>
-          <a:lstStyle/>
-          <a:p>
-            <a:r>
-              <a:rPr lang="en-US" dirty="0"/>
-              <a:t>Benefits of test-driven development</a:t>
-            </a:r>
-          </a:p>
-        </p:txBody>
-      </p:sp>
-      <p:sp>
-        <p:nvSpPr>
-          <p:cNvPr id="3" name="Content Placeholder 2"/>
-          <p:cNvSpPr>
-            <a:spLocks noGrp="1"/>
-          </p:cNvSpPr>
-          <p:nvPr>
-            <p:ph idx="1"/>
-          </p:nvPr>
-        </p:nvSpPr>
-        <p:spPr/>
-        <p:txBody>
-          <a:bodyPr>
-            <a:normAutofit/>
-          </a:bodyPr>
-          <a:lstStyle/>
-          <a:p>
-            <a:r>
-              <a:rPr lang="en-US" dirty="0"/>
-              <a:t>Code coverage </a:t>
-            </a:r>
-          </a:p>
-          <a:p>
-            <a:pPr lvl="1"/>
-            <a:r>
-              <a:rPr lang="en-US" dirty="0"/>
-              <a:t>All code written has at least one test</a:t>
-            </a:r>
-            <a:endParaRPr lang="en-GB" dirty="0"/>
-          </a:p>
-          <a:p>
-            <a:r>
-              <a:rPr lang="en-US" dirty="0"/>
-              <a:t>Regression testing </a:t>
-            </a:r>
-          </a:p>
-          <a:p>
-            <a:pPr lvl="1"/>
-            <a:r>
-              <a:rPr lang="en-US" dirty="0"/>
-              <a:t>A regression test suite is developed along-side code </a:t>
-            </a:r>
-            <a:endParaRPr lang="en-GB" dirty="0"/>
-          </a:p>
-          <a:p>
-            <a:r>
-              <a:rPr lang="en-US" dirty="0"/>
-              <a:t>Simplified debugging </a:t>
-            </a:r>
-          </a:p>
-          <a:p>
-            <a:pPr lvl="1"/>
-            <a:r>
-              <a:rPr lang="en-US" dirty="0"/>
-              <a:t>When a test fails we know it must be caused by new code </a:t>
-            </a:r>
-            <a:endParaRPr lang="en-GB" dirty="0"/>
-          </a:p>
-          <a:p>
-            <a:r>
-              <a:rPr lang="en-US" dirty="0"/>
-              <a:t>System documentation</a:t>
-            </a:r>
-          </a:p>
-          <a:p>
-            <a:pPr lvl="1"/>
-            <a:r>
-              <a:rPr lang="en-US" dirty="0"/>
-              <a:t>The tests themselves are one form of documentation</a:t>
-            </a:r>
-          </a:p>
-          <a:p>
-            <a:pPr marL="342900" lvl="1" indent="0">
-              <a:buNone/>
-            </a:pPr>
-            <a:r>
-              <a:rPr lang="en-US" dirty="0"/>
-              <a:t>  (they describe what the code should be doing)</a:t>
-            </a:r>
-            <a:endParaRPr lang="en-GB" dirty="0"/>
-          </a:p>
-          <a:p>
-            <a:endParaRPr lang="en-US" dirty="0"/>
-          </a:p>
-        </p:txBody>
-      </p:sp>
-    </p:spTree>
-  </p:cSld>
-  <p:clrMapOvr>
-    <a:masterClrMapping/>
-  </p:clrMapOvr>
-</p:sld>
-</file>
-
-<file path=ppt/slides/slide19.xml><?xml version="1.0" encoding="utf-8"?>
-<p:sld xmlns:a="http://schemas.openxmlformats.org/drawingml/2006/main" xmlns:r="http://schemas.openxmlformats.org/officeDocument/2006/relationships" xmlns:p="http://schemas.openxmlformats.org/presentationml/2006/main">
-  <p:cSld>
-    <p:spTree>
-      <p:nvGrpSpPr>
-        <p:cNvPr id="1" name=""/>
-        <p:cNvGrpSpPr/>
-        <p:nvPr/>
-      </p:nvGrpSpPr>
-      <p:grpSpPr>
-        <a:xfrm>
-          <a:off x="0" y="0"/>
-          <a:ext cx="0" cy="0"/>
-          <a:chOff x="0" y="0"/>
-          <a:chExt cx="0" cy="0"/>
-        </a:xfrm>
-      </p:grpSpPr>
-      <p:sp>
-        <p:nvSpPr>
-          <p:cNvPr id="2" name="Title 1"/>
-          <p:cNvSpPr>
-            <a:spLocks noGrp="1"/>
-          </p:cNvSpPr>
-          <p:nvPr>
-            <p:ph type="title"/>
-          </p:nvPr>
-        </p:nvSpPr>
-        <p:spPr/>
-        <p:txBody>
-          <a:bodyPr/>
-          <a:lstStyle/>
-          <a:p>
-            <a:r>
-              <a:rPr lang="en-GB" dirty="0"/>
-              <a:t>Scrum</a:t>
-            </a:r>
-          </a:p>
-        </p:txBody>
-      </p:sp>
-      <p:sp>
-        <p:nvSpPr>
-          <p:cNvPr id="3" name="Content Placeholder 2"/>
-          <p:cNvSpPr>
-            <a:spLocks noGrp="1"/>
-          </p:cNvSpPr>
-          <p:nvPr>
-            <p:ph idx="1"/>
-          </p:nvPr>
-        </p:nvSpPr>
-        <p:spPr/>
-        <p:txBody>
-          <a:bodyPr/>
-          <a:lstStyle/>
-          <a:p>
-            <a:r>
-              <a:rPr lang="en-GB" dirty="0"/>
-              <a:t>You may also have heard of "Scrum" as an approach to Agile development</a:t>
-            </a:r>
-          </a:p>
-          <a:p>
-            <a:r>
-              <a:rPr lang="en-GB" dirty="0"/>
-              <a:t>Scrum is a Project Management approach: </a:t>
-            </a:r>
-          </a:p>
-          <a:p>
-            <a:pPr marL="0" indent="0">
-              <a:buNone/>
-            </a:pPr>
-            <a:r>
-              <a:rPr lang="en-GB" dirty="0"/>
-              <a:t>  It operates at higher-level than XP</a:t>
-            </a:r>
-          </a:p>
-          <a:p>
-            <a:r>
-              <a:rPr lang="en-GB" dirty="0"/>
-              <a:t>As such XP and Scrum aren't competitors…</a:t>
-            </a:r>
-          </a:p>
-          <a:p>
-            <a:pPr marL="0" indent="0">
-              <a:buNone/>
-            </a:pPr>
-            <a:r>
-              <a:rPr lang="en-GB" dirty="0"/>
-              <a:t>  They can work well together !</a:t>
-            </a:r>
-          </a:p>
-          <a:p>
-            <a:r>
-              <a:rPr lang="en-GB" dirty="0"/>
-              <a:t>There are three phases to Scrum:</a:t>
-            </a:r>
-          </a:p>
-          <a:p>
-            <a:pPr lvl="1"/>
-            <a:r>
-              <a:rPr lang="en-GB" dirty="0"/>
-              <a:t>Initial Phase: Objectives, planning, design </a:t>
-            </a:r>
-            <a:r>
-              <a:rPr lang="en-GB" dirty="0" err="1"/>
-              <a:t>archtecture</a:t>
-            </a:r>
-            <a:endParaRPr lang="en-GB" dirty="0"/>
-          </a:p>
-          <a:p>
-            <a:pPr lvl="1"/>
-            <a:r>
-              <a:rPr lang="en-GB" dirty="0"/>
-              <a:t>Sprint Phase: Incremental iterations (demos and releases)</a:t>
-            </a:r>
-          </a:p>
-          <a:p>
-            <a:pPr lvl="1"/>
-            <a:r>
-              <a:rPr lang="en-GB" dirty="0"/>
-              <a:t>Closure Phase: Wrap-up, documentation, lessons learned</a:t>
-            </a:r>
-          </a:p>
-        </p:txBody>
-      </p:sp>
-    </p:spTree>
-    <p:extLst>
-      <p:ext uri="{BB962C8B-B14F-4D97-AF65-F5344CB8AC3E}">
-        <p14:creationId xmlns:p14="http://schemas.microsoft.com/office/powerpoint/2010/main" val="1974344138"/>
-      </p:ext>
-    </p:extLst>
-  </p:cSld>
-  <p:clrMapOvr>
-    <a:masterClrMapping/>
-  </p:clrMapOvr>
-</p:sld>
-</file>
-
-<file path=ppt/slides/slide2.xml><?xml version="1.0" encoding="utf-8"?>
-<p:sld xmlns:a="http://schemas.openxmlformats.org/drawingml/2006/main" xmlns:r="http://schemas.openxmlformats.org/officeDocument/2006/relationships" xmlns:p="http://schemas.openxmlformats.org/presentationml/2006/main">
-  <p:cSld>
-    <p:spTree>
-      <p:nvGrpSpPr>
-        <p:cNvPr id="1" name=""/>
-        <p:cNvGrpSpPr/>
-        <p:nvPr/>
-      </p:nvGrpSpPr>
-      <p:grpSpPr>
-        <a:xfrm>
-          <a:off x="0" y="0"/>
-          <a:ext cx="0" cy="0"/>
-          <a:chOff x="0" y="0"/>
-          <a:chExt cx="0" cy="0"/>
-        </a:xfrm>
-      </p:grpSpPr>
-      <p:sp>
-        <p:nvSpPr>
-          <p:cNvPr id="2" name="Title 1"/>
-          <p:cNvSpPr>
-            <a:spLocks noGrp="1"/>
-          </p:cNvSpPr>
-          <p:nvPr>
-            <p:ph type="title"/>
-          </p:nvPr>
-        </p:nvSpPr>
-        <p:spPr/>
-        <p:txBody>
-          <a:bodyPr/>
-          <a:lstStyle/>
-          <a:p>
-            <a:r>
-              <a:rPr lang="en-GB" dirty="0"/>
-              <a:t>Agile "Philosophy" </a:t>
-            </a:r>
-          </a:p>
-        </p:txBody>
-      </p:sp>
-      <p:sp>
-        <p:nvSpPr>
-          <p:cNvPr id="3" name="Content Placeholder 2"/>
-          <p:cNvSpPr>
-            <a:spLocks noGrp="1"/>
-          </p:cNvSpPr>
-          <p:nvPr>
-            <p:ph idx="1"/>
-          </p:nvPr>
-        </p:nvSpPr>
-        <p:spPr/>
-        <p:txBody>
-          <a:bodyPr>
-            <a:normAutofit/>
-          </a:bodyPr>
-          <a:lstStyle/>
-          <a:p>
-            <a:pPr marL="0" indent="0" algn="ctr">
-              <a:buNone/>
-            </a:pPr>
-            <a:r>
-              <a:rPr lang="en-GB" dirty="0"/>
-              <a:t>Agile is NOT a development a process !</a:t>
-            </a:r>
-          </a:p>
-          <a:p>
-            <a:pPr marL="0" indent="0" algn="ctr">
-              <a:buNone/>
-            </a:pPr>
-            <a:r>
-              <a:rPr lang="en-GB" dirty="0"/>
-              <a:t>It is a </a:t>
-            </a:r>
-            <a:r>
-              <a:rPr lang="en-GB" b="1" i="1" dirty="0"/>
-              <a:t>philosophy</a:t>
-            </a:r>
-            <a:r>
-              <a:rPr lang="en-GB" dirty="0"/>
-              <a:t> - a way of thinking</a:t>
-            </a:r>
-          </a:p>
-          <a:p>
-            <a:pPr marL="0" indent="0">
-              <a:buNone/>
-            </a:pPr>
-            <a:endParaRPr lang="en-GB" dirty="0"/>
-          </a:p>
-          <a:p>
-            <a:pPr marL="0" indent="0">
-              <a:buNone/>
-            </a:pPr>
-            <a:r>
-              <a:rPr lang="en-GB" dirty="0"/>
-              <a:t>The Agile "Manifesto" promotes the following values:</a:t>
-            </a:r>
-          </a:p>
-          <a:p>
-            <a:pPr marL="0" indent="0">
-              <a:buNone/>
-            </a:pPr>
-            <a:endParaRPr lang="en-GB" sz="1000" dirty="0"/>
-          </a:p>
-          <a:p>
-            <a:r>
-              <a:rPr lang="en-GB" dirty="0"/>
-              <a:t> Individuals &amp; Interactions	(over processes &amp; tools)</a:t>
-            </a:r>
-          </a:p>
-          <a:p>
-            <a:r>
-              <a:rPr lang="en-GB" dirty="0"/>
-              <a:t> Operational Software	(over documentation)</a:t>
-            </a:r>
-          </a:p>
-          <a:p>
-            <a:r>
-              <a:rPr lang="en-GB" dirty="0"/>
-              <a:t> Customer Collaboration	(over formal contracts)</a:t>
-            </a:r>
-          </a:p>
-          <a:p>
-            <a:r>
-              <a:rPr lang="en-GB" dirty="0"/>
-              <a:t> Responding to Change	(over predefined plan)</a:t>
-            </a:r>
-          </a:p>
-        </p:txBody>
-      </p:sp>
-    </p:spTree>
-    <p:extLst>
-      <p:ext uri="{BB962C8B-B14F-4D97-AF65-F5344CB8AC3E}">
-        <p14:creationId xmlns:p14="http://schemas.microsoft.com/office/powerpoint/2010/main" val="113367403"/>
-      </p:ext>
-    </p:extLst>
-  </p:cSld>
-  <p:clrMapOvr>
-    <a:masterClrMapping/>
-  </p:clrMapOvr>
-</p:sld>
-</file>
-
-<file path=ppt/slides/slide20.xml><?xml version="1.0" encoding="utf-8"?>
-<p:sld xmlns:a="http://schemas.openxmlformats.org/drawingml/2006/main" xmlns:r="http://schemas.openxmlformats.org/officeDocument/2006/relationships" xmlns:p="http://schemas.openxmlformats.org/presentationml/2006/main">
-  <p:cSld>
-    <p:spTree>
-      <p:nvGrpSpPr>
-        <p:cNvPr id="1" name=""/>
-        <p:cNvGrpSpPr/>
-        <p:nvPr/>
-      </p:nvGrpSpPr>
-      <p:grpSpPr>
-        <a:xfrm>
-          <a:off x="0" y="0"/>
-          <a:ext cx="0" cy="0"/>
-          <a:chOff x="0" y="0"/>
-          <a:chExt cx="0" cy="0"/>
-        </a:xfrm>
-      </p:grpSpPr>
-      <p:sp>
-        <p:nvSpPr>
-          <p:cNvPr id="2" name="Title 1"/>
-          <p:cNvSpPr>
-            <a:spLocks noGrp="1"/>
-          </p:cNvSpPr>
-          <p:nvPr>
-            <p:ph type="title"/>
-          </p:nvPr>
-        </p:nvSpPr>
-        <p:spPr/>
-        <p:txBody>
-          <a:bodyPr/>
-          <a:lstStyle/>
-          <a:p>
-            <a:r>
-              <a:rPr lang="en-GB" dirty="0"/>
-              <a:t>Key Scrum Concepts</a:t>
-            </a:r>
-          </a:p>
-        </p:txBody>
-      </p:sp>
-      <p:sp>
-        <p:nvSpPr>
-          <p:cNvPr id="3" name="Content Placeholder 2"/>
-          <p:cNvSpPr>
-            <a:spLocks noGrp="1"/>
-          </p:cNvSpPr>
-          <p:nvPr>
-            <p:ph idx="1"/>
-          </p:nvPr>
-        </p:nvSpPr>
-        <p:spPr/>
-        <p:txBody>
-          <a:bodyPr/>
-          <a:lstStyle/>
-          <a:p>
-            <a:r>
-              <a:rPr lang="en-GB" dirty="0"/>
-              <a:t>Scrum – Stand-up daily meeting of entire team</a:t>
-            </a:r>
-          </a:p>
-          <a:p>
-            <a:r>
-              <a:rPr lang="en-GB" dirty="0"/>
-              <a:t>Sprint - Short, rapid development iteration </a:t>
-            </a:r>
-          </a:p>
-          <a:p>
-            <a:r>
-              <a:rPr lang="en-GB" dirty="0"/>
-              <a:t>Product Backlog - </a:t>
-            </a:r>
-            <a:r>
-              <a:rPr lang="en-GB" dirty="0" err="1"/>
-              <a:t>ToDo</a:t>
-            </a:r>
-            <a:r>
-              <a:rPr lang="en-GB" dirty="0"/>
-              <a:t> list of jobs that need doing </a:t>
-            </a:r>
-          </a:p>
-          <a:p>
-            <a:r>
-              <a:rPr lang="en-GB" dirty="0"/>
-              <a:t>Product Owner - Equivalent to "On-site Customer"</a:t>
-            </a:r>
-          </a:p>
-          <a:p>
-            <a:r>
-              <a:rPr lang="en-GB" dirty="0"/>
-              <a:t>Scrum Master - Team Leader</a:t>
-            </a:r>
-          </a:p>
-          <a:p>
-            <a:endParaRPr lang="en-GB" dirty="0"/>
-          </a:p>
-        </p:txBody>
-      </p:sp>
-    </p:spTree>
-    <p:extLst>
-      <p:ext uri="{BB962C8B-B14F-4D97-AF65-F5344CB8AC3E}">
-        <p14:creationId xmlns:p14="http://schemas.microsoft.com/office/powerpoint/2010/main" val="2912723509"/>
-      </p:ext>
-    </p:extLst>
-  </p:cSld>
-  <p:clrMapOvr>
-    <a:masterClrMapping/>
-  </p:clrMapOvr>
-</p:sld>
-</file>
-
-<file path=ppt/slides/slide21.xml><?xml version="1.0" encoding="utf-8"?>
-<p:sld xmlns:a="http://schemas.openxmlformats.org/drawingml/2006/main" xmlns:r="http://schemas.openxmlformats.org/officeDocument/2006/relationships" xmlns:p="http://schemas.openxmlformats.org/presentationml/2006/main">
-  <p:cSld>
-    <p:spTree>
-      <p:nvGrpSpPr>
-        <p:cNvPr id="1" name=""/>
-        <p:cNvGrpSpPr/>
-        <p:nvPr/>
-      </p:nvGrpSpPr>
-      <p:grpSpPr>
-        <a:xfrm>
-          <a:off x="0" y="0"/>
-          <a:ext cx="0" cy="0"/>
-          <a:chOff x="0" y="0"/>
-          <a:chExt cx="0" cy="0"/>
-        </a:xfrm>
-      </p:grpSpPr>
-      <p:sp>
-        <p:nvSpPr>
-          <p:cNvPr id="2" name="Title 1"/>
-          <p:cNvSpPr>
-            <a:spLocks noGrp="1"/>
-          </p:cNvSpPr>
-          <p:nvPr>
-            <p:ph type="title"/>
-          </p:nvPr>
-        </p:nvSpPr>
-        <p:spPr/>
-        <p:txBody>
-          <a:bodyPr/>
-          <a:lstStyle/>
-          <a:p>
-            <a:r>
-              <a:rPr lang="en-GB" dirty="0"/>
-              <a:t>Generic Waterfall</a:t>
-            </a:r>
-          </a:p>
-        </p:txBody>
-      </p:sp>
-      <p:grpSp>
-        <p:nvGrpSpPr>
-          <p:cNvPr id="17" name="Group 16">
-            <a:extLst>
-              <a:ext uri="{FF2B5EF4-FFF2-40B4-BE49-F238E27FC236}">
-                <a16:creationId xmlns:a16="http://schemas.microsoft.com/office/drawing/2014/main" id="{44C3A094-790D-4941-BC0B-3579AEA72D87}"/>
-              </a:ext>
-            </a:extLst>
-          </p:cNvPr>
-          <p:cNvGrpSpPr/>
-          <p:nvPr/>
-        </p:nvGrpSpPr>
-        <p:grpSpPr>
-          <a:xfrm>
-            <a:off x="2049277" y="1587308"/>
-            <a:ext cx="5167672" cy="4961783"/>
-            <a:chOff x="2049277" y="1587308"/>
-            <a:chExt cx="5167672" cy="4961783"/>
-          </a:xfrm>
-        </p:grpSpPr>
-        <p:sp>
-          <p:nvSpPr>
-            <p:cNvPr id="8" name="Rectangle 7">
-              <a:extLst>
-                <a:ext uri="{FF2B5EF4-FFF2-40B4-BE49-F238E27FC236}">
-                  <a16:creationId xmlns:a16="http://schemas.microsoft.com/office/drawing/2014/main" id="{F400C43E-1A49-4057-9F79-82DFA698FFFF}"/>
-                </a:ext>
-              </a:extLst>
-            </p:cNvPr>
-            <p:cNvSpPr/>
-            <p:nvPr/>
-          </p:nvSpPr>
-          <p:spPr>
-            <a:xfrm>
-              <a:off x="3022554" y="2607530"/>
-              <a:ext cx="1275062" cy="872568"/>
-            </a:xfrm>
-            <a:prstGeom prst="rect">
-              <a:avLst/>
-            </a:prstGeom>
-            <a:solidFill>
-              <a:schemeClr val="tx1"/>
-            </a:solidFill>
-            <a:ln>
-              <a:solidFill>
-                <a:schemeClr val="bg1"/>
-              </a:solidFill>
-            </a:ln>
-            <a:effectLst/>
-          </p:spPr>
-          <p:style>
-            <a:lnRef idx="1">
-              <a:schemeClr val="accent1"/>
-            </a:lnRef>
-            <a:fillRef idx="3">
-              <a:schemeClr val="accent1"/>
-            </a:fillRef>
-            <a:effectRef idx="2">
-              <a:schemeClr val="accent1"/>
-            </a:effectRef>
-            <a:fontRef idx="minor">
-              <a:schemeClr val="lt1"/>
-            </a:fontRef>
-          </p:style>
-          <p:txBody>
-            <a:bodyPr tIns="0" bIns="72000" rtlCol="0" anchor="ctr"/>
-            <a:lstStyle/>
-            <a:p>
-              <a:pPr algn="ctr"/>
-              <a:r>
-                <a:rPr lang="en-GB" sz="1600" dirty="0">
-                  <a:solidFill>
-                    <a:schemeClr val="bg1"/>
-                  </a:solidFill>
-                </a:rPr>
-                <a:t>Design</a:t>
-              </a:r>
-            </a:p>
-          </p:txBody>
-        </p:sp>
-        <p:sp>
-          <p:nvSpPr>
-            <p:cNvPr id="9" name="Rectangle 8">
-              <a:extLst>
-                <a:ext uri="{FF2B5EF4-FFF2-40B4-BE49-F238E27FC236}">
-                  <a16:creationId xmlns:a16="http://schemas.microsoft.com/office/drawing/2014/main" id="{843AFD1B-1275-4828-8EE9-3B4A83F12D76}"/>
-                </a:ext>
-              </a:extLst>
-            </p:cNvPr>
-            <p:cNvSpPr/>
-            <p:nvPr/>
-          </p:nvSpPr>
-          <p:spPr>
-            <a:xfrm>
-              <a:off x="2049277" y="1587308"/>
-              <a:ext cx="1275062" cy="872568"/>
-            </a:xfrm>
-            <a:prstGeom prst="rect">
-              <a:avLst/>
-            </a:prstGeom>
-            <a:solidFill>
-              <a:schemeClr val="tx1"/>
-            </a:solidFill>
-            <a:ln>
-              <a:solidFill>
-                <a:schemeClr val="bg1"/>
-              </a:solidFill>
-            </a:ln>
-            <a:effectLst/>
-          </p:spPr>
-          <p:style>
-            <a:lnRef idx="1">
-              <a:schemeClr val="accent1"/>
-            </a:lnRef>
-            <a:fillRef idx="3">
-              <a:schemeClr val="accent1"/>
-            </a:fillRef>
-            <a:effectRef idx="2">
-              <a:schemeClr val="accent1"/>
-            </a:effectRef>
-            <a:fontRef idx="minor">
-              <a:schemeClr val="lt1"/>
-            </a:fontRef>
-          </p:style>
-          <p:txBody>
-            <a:bodyPr tIns="0" bIns="72000" rtlCol="0" anchor="ctr"/>
-            <a:lstStyle/>
-            <a:p>
-              <a:pPr algn="ctr"/>
-              <a:r>
-                <a:rPr lang="en-GB" sz="1600" dirty="0">
-                  <a:solidFill>
-                    <a:schemeClr val="bg1"/>
-                  </a:solidFill>
-                </a:rPr>
-                <a:t>Analysis</a:t>
-              </a:r>
-            </a:p>
-          </p:txBody>
-        </p:sp>
-        <p:sp>
-          <p:nvSpPr>
-            <p:cNvPr id="10" name="Rectangle 9">
-              <a:extLst>
-                <a:ext uri="{FF2B5EF4-FFF2-40B4-BE49-F238E27FC236}">
-                  <a16:creationId xmlns:a16="http://schemas.microsoft.com/office/drawing/2014/main" id="{5B8101DE-0AE5-491A-AB3E-4F503C771607}"/>
-                </a:ext>
-              </a:extLst>
-            </p:cNvPr>
-            <p:cNvSpPr/>
-            <p:nvPr/>
-          </p:nvSpPr>
-          <p:spPr>
-            <a:xfrm>
-              <a:off x="3995831" y="3627752"/>
-              <a:ext cx="1275062" cy="872568"/>
-            </a:xfrm>
-            <a:prstGeom prst="rect">
-              <a:avLst/>
-            </a:prstGeom>
-            <a:solidFill>
-              <a:schemeClr val="tx1"/>
-            </a:solidFill>
-            <a:ln>
-              <a:solidFill>
-                <a:schemeClr val="bg1"/>
-              </a:solidFill>
-            </a:ln>
-            <a:effectLst/>
-          </p:spPr>
-          <p:style>
-            <a:lnRef idx="1">
-              <a:schemeClr val="accent1"/>
-            </a:lnRef>
-            <a:fillRef idx="3">
-              <a:schemeClr val="accent1"/>
-            </a:fillRef>
-            <a:effectRef idx="2">
-              <a:schemeClr val="accent1"/>
-            </a:effectRef>
-            <a:fontRef idx="minor">
-              <a:schemeClr val="lt1"/>
-            </a:fontRef>
-          </p:style>
-          <p:txBody>
-            <a:bodyPr tIns="0" bIns="72000" rtlCol="0" anchor="ctr"/>
-            <a:lstStyle/>
-            <a:p>
-              <a:pPr algn="ctr"/>
-              <a:r>
-                <a:rPr lang="en-GB" sz="1600" dirty="0">
-                  <a:solidFill>
-                    <a:schemeClr val="bg1"/>
-                  </a:solidFill>
-                </a:rPr>
-                <a:t>Code</a:t>
-              </a:r>
-            </a:p>
-          </p:txBody>
-        </p:sp>
-        <p:sp>
-          <p:nvSpPr>
-            <p:cNvPr id="11" name="Rectangle 10">
-              <a:extLst>
-                <a:ext uri="{FF2B5EF4-FFF2-40B4-BE49-F238E27FC236}">
-                  <a16:creationId xmlns:a16="http://schemas.microsoft.com/office/drawing/2014/main" id="{DBE800F3-D22A-4706-9B23-22654F288417}"/>
-                </a:ext>
-              </a:extLst>
-            </p:cNvPr>
-            <p:cNvSpPr/>
-            <p:nvPr/>
-          </p:nvSpPr>
-          <p:spPr>
-            <a:xfrm>
-              <a:off x="4969108" y="4647974"/>
-              <a:ext cx="1275062" cy="872568"/>
-            </a:xfrm>
-            <a:prstGeom prst="rect">
-              <a:avLst/>
-            </a:prstGeom>
-            <a:solidFill>
-              <a:schemeClr val="tx1"/>
-            </a:solidFill>
-            <a:ln>
-              <a:solidFill>
-                <a:schemeClr val="bg1"/>
-              </a:solidFill>
-            </a:ln>
-            <a:effectLst/>
-          </p:spPr>
-          <p:style>
-            <a:lnRef idx="1">
-              <a:schemeClr val="accent1"/>
-            </a:lnRef>
-            <a:fillRef idx="3">
-              <a:schemeClr val="accent1"/>
-            </a:fillRef>
-            <a:effectRef idx="2">
-              <a:schemeClr val="accent1"/>
-            </a:effectRef>
-            <a:fontRef idx="minor">
-              <a:schemeClr val="lt1"/>
-            </a:fontRef>
-          </p:style>
-          <p:txBody>
-            <a:bodyPr tIns="0" bIns="72000" rtlCol="0" anchor="ctr"/>
-            <a:lstStyle/>
-            <a:p>
-              <a:pPr algn="ctr"/>
-              <a:r>
-                <a:rPr lang="en-GB" sz="1600" dirty="0">
-                  <a:solidFill>
-                    <a:schemeClr val="bg1"/>
-                  </a:solidFill>
-                </a:rPr>
-                <a:t>Test</a:t>
-              </a:r>
-            </a:p>
-          </p:txBody>
-        </p:sp>
-        <p:cxnSp>
-          <p:nvCxnSpPr>
-            <p:cNvPr id="12" name="Elbow Connector 9">
-              <a:extLst>
-                <a:ext uri="{FF2B5EF4-FFF2-40B4-BE49-F238E27FC236}">
-                  <a16:creationId xmlns:a16="http://schemas.microsoft.com/office/drawing/2014/main" id="{1B9E02F6-3C96-4505-BD4B-99E4E0C10965}"/>
-                </a:ext>
-              </a:extLst>
-            </p:cNvPr>
-            <p:cNvCxnSpPr>
-              <a:stCxn id="9" idx="3"/>
-              <a:endCxn id="8" idx="0"/>
-            </p:cNvCxnSpPr>
-            <p:nvPr/>
-          </p:nvCxnSpPr>
-          <p:spPr>
-            <a:xfrm>
-              <a:off x="3324339" y="2023592"/>
-              <a:ext cx="335746" cy="583938"/>
-            </a:xfrm>
-            <a:prstGeom prst="bentConnector2">
-              <a:avLst/>
-            </a:prstGeom>
-            <a:ln>
-              <a:solidFill>
-                <a:schemeClr val="bg1"/>
-              </a:solidFill>
-              <a:tailEnd type="arrow"/>
-            </a:ln>
-            <a:effectLst/>
-          </p:spPr>
-          <p:style>
-            <a:lnRef idx="2">
-              <a:schemeClr val="accent1"/>
-            </a:lnRef>
-            <a:fillRef idx="0">
-              <a:schemeClr val="accent1"/>
-            </a:fillRef>
-            <a:effectRef idx="1">
-              <a:schemeClr val="accent1"/>
-            </a:effectRef>
-            <a:fontRef idx="minor">
-              <a:schemeClr val="tx1"/>
-            </a:fontRef>
-          </p:style>
-        </p:cxnSp>
-        <p:cxnSp>
-          <p:nvCxnSpPr>
-            <p:cNvPr id="13" name="Elbow Connector 12">
-              <a:extLst>
-                <a:ext uri="{FF2B5EF4-FFF2-40B4-BE49-F238E27FC236}">
-                  <a16:creationId xmlns:a16="http://schemas.microsoft.com/office/drawing/2014/main" id="{BBCD1A96-C416-442C-BE1A-87FEB8875AF4}"/>
-                </a:ext>
-              </a:extLst>
-            </p:cNvPr>
-            <p:cNvCxnSpPr>
-              <a:stCxn id="8" idx="3"/>
-              <a:endCxn id="10" idx="0"/>
-            </p:cNvCxnSpPr>
-            <p:nvPr/>
-          </p:nvCxnSpPr>
-          <p:spPr>
-            <a:xfrm>
-              <a:off x="4297616" y="3043814"/>
-              <a:ext cx="335746" cy="583938"/>
-            </a:xfrm>
-            <a:prstGeom prst="bentConnector2">
-              <a:avLst/>
-            </a:prstGeom>
-            <a:ln>
-              <a:solidFill>
-                <a:schemeClr val="bg1"/>
-              </a:solidFill>
-              <a:tailEnd type="arrow"/>
-            </a:ln>
-            <a:effectLst/>
-          </p:spPr>
-          <p:style>
-            <a:lnRef idx="2">
-              <a:schemeClr val="accent1"/>
-            </a:lnRef>
-            <a:fillRef idx="0">
-              <a:schemeClr val="accent1"/>
-            </a:fillRef>
-            <a:effectRef idx="1">
-              <a:schemeClr val="accent1"/>
-            </a:effectRef>
-            <a:fontRef idx="minor">
-              <a:schemeClr val="tx1"/>
-            </a:fontRef>
-          </p:style>
-        </p:cxnSp>
-        <p:cxnSp>
-          <p:nvCxnSpPr>
-            <p:cNvPr id="14" name="Elbow Connector 17">
-              <a:extLst>
-                <a:ext uri="{FF2B5EF4-FFF2-40B4-BE49-F238E27FC236}">
-                  <a16:creationId xmlns:a16="http://schemas.microsoft.com/office/drawing/2014/main" id="{33293FCA-D11B-418F-AE6C-51E42685F90A}"/>
-                </a:ext>
-              </a:extLst>
-            </p:cNvPr>
-            <p:cNvCxnSpPr>
-              <a:stCxn id="10" idx="3"/>
-              <a:endCxn id="11" idx="0"/>
-            </p:cNvCxnSpPr>
-            <p:nvPr/>
-          </p:nvCxnSpPr>
-          <p:spPr>
-            <a:xfrm>
-              <a:off x="5270893" y="4064036"/>
-              <a:ext cx="335746" cy="583938"/>
-            </a:xfrm>
-            <a:prstGeom prst="bentConnector2">
-              <a:avLst/>
-            </a:prstGeom>
-            <a:ln>
-              <a:solidFill>
-                <a:schemeClr val="bg1"/>
-              </a:solidFill>
-              <a:tailEnd type="arrow"/>
-            </a:ln>
-            <a:effectLst/>
-          </p:spPr>
-          <p:style>
-            <a:lnRef idx="2">
-              <a:schemeClr val="accent1"/>
-            </a:lnRef>
-            <a:fillRef idx="0">
-              <a:schemeClr val="accent1"/>
-            </a:fillRef>
-            <a:effectRef idx="1">
-              <a:schemeClr val="accent1"/>
-            </a:effectRef>
-            <a:fontRef idx="minor">
-              <a:schemeClr val="tx1"/>
-            </a:fontRef>
-          </p:style>
-        </p:cxnSp>
-        <p:cxnSp>
-          <p:nvCxnSpPr>
-            <p:cNvPr id="15" name="Elbow Connector 35">
-              <a:extLst>
-                <a:ext uri="{FF2B5EF4-FFF2-40B4-BE49-F238E27FC236}">
-                  <a16:creationId xmlns:a16="http://schemas.microsoft.com/office/drawing/2014/main" id="{820275B4-4FE4-4D3E-A24C-65C932D4B2F3}"/>
-                </a:ext>
-              </a:extLst>
-            </p:cNvPr>
-            <p:cNvCxnSpPr>
-              <a:stCxn id="11" idx="3"/>
-              <a:endCxn id="16" idx="0"/>
-            </p:cNvCxnSpPr>
-            <p:nvPr/>
-          </p:nvCxnSpPr>
-          <p:spPr>
-            <a:xfrm>
-              <a:off x="6244170" y="5084258"/>
-              <a:ext cx="335248" cy="592265"/>
-            </a:xfrm>
-            <a:prstGeom prst="bentConnector2">
-              <a:avLst/>
-            </a:prstGeom>
-            <a:ln>
-              <a:solidFill>
-                <a:schemeClr val="bg1"/>
-              </a:solidFill>
-              <a:tailEnd type="arrow"/>
-            </a:ln>
-            <a:effectLst/>
-          </p:spPr>
-          <p:style>
-            <a:lnRef idx="2">
-              <a:schemeClr val="accent1"/>
-            </a:lnRef>
-            <a:fillRef idx="0">
-              <a:schemeClr val="accent1"/>
-            </a:fillRef>
-            <a:effectRef idx="1">
-              <a:schemeClr val="accent1"/>
-            </a:effectRef>
-            <a:fontRef idx="minor">
-              <a:schemeClr val="tx1"/>
-            </a:fontRef>
-          </p:style>
-        </p:cxnSp>
-        <p:sp>
-          <p:nvSpPr>
-            <p:cNvPr id="16" name="Rectangle 15">
-              <a:extLst>
-                <a:ext uri="{FF2B5EF4-FFF2-40B4-BE49-F238E27FC236}">
-                  <a16:creationId xmlns:a16="http://schemas.microsoft.com/office/drawing/2014/main" id="{A938A71E-CA33-41C7-B3F7-93CF022F0B33}"/>
-                </a:ext>
-              </a:extLst>
-            </p:cNvPr>
-            <p:cNvSpPr/>
-            <p:nvPr/>
-          </p:nvSpPr>
-          <p:spPr>
-            <a:xfrm>
-              <a:off x="5941887" y="5676523"/>
-              <a:ext cx="1275062" cy="872568"/>
-            </a:xfrm>
-            <a:prstGeom prst="rect">
-              <a:avLst/>
-            </a:prstGeom>
-            <a:solidFill>
-              <a:schemeClr val="tx1"/>
-            </a:solidFill>
-            <a:ln>
-              <a:solidFill>
-                <a:schemeClr val="bg1"/>
-              </a:solidFill>
-            </a:ln>
-            <a:effectLst/>
-          </p:spPr>
-          <p:style>
-            <a:lnRef idx="1">
-              <a:schemeClr val="accent1"/>
-            </a:lnRef>
-            <a:fillRef idx="3">
-              <a:schemeClr val="accent1"/>
-            </a:fillRef>
-            <a:effectRef idx="2">
-              <a:schemeClr val="accent1"/>
-            </a:effectRef>
-            <a:fontRef idx="minor">
-              <a:schemeClr val="lt1"/>
-            </a:fontRef>
-          </p:style>
-          <p:txBody>
-            <a:bodyPr tIns="0" bIns="72000" rtlCol="0" anchor="ctr"/>
-            <a:lstStyle/>
-            <a:p>
-              <a:pPr algn="ctr"/>
-              <a:r>
-                <a:rPr lang="en-GB" sz="1600" dirty="0">
-                  <a:solidFill>
-                    <a:schemeClr val="bg1"/>
-                  </a:solidFill>
-                </a:rPr>
-                <a:t>Deploy</a:t>
-              </a:r>
-            </a:p>
-          </p:txBody>
-        </p:sp>
-      </p:grpSp>
-    </p:spTree>
-    <p:extLst>
-      <p:ext uri="{BB962C8B-B14F-4D97-AF65-F5344CB8AC3E}">
-        <p14:creationId xmlns:p14="http://schemas.microsoft.com/office/powerpoint/2010/main" val="3097828400"/>
-      </p:ext>
-    </p:extLst>
-  </p:cSld>
-  <p:clrMapOvr>
-    <a:masterClrMapping/>
-  </p:clrMapOvr>
-</p:sld>
-</file>
-
-<file path=ppt/slides/slide22.xml><?xml version="1.0" encoding="utf-8"?>
 <p:sld xmlns:a="http://schemas.openxmlformats.org/drawingml/2006/main" xmlns:r="http://schemas.openxmlformats.org/officeDocument/2006/relationships" xmlns:p="http://schemas.openxmlformats.org/presentationml/2006/main">
   <p:cSld>
     <p:spTree>
@@ -7564,6 +5528,2019 @@
 </p:sld>
 </file>
 
+<file path=ppt/slides/slide11.xml><?xml version="1.0" encoding="utf-8"?>
+<p:sld xmlns:a="http://schemas.openxmlformats.org/drawingml/2006/main" xmlns:r="http://schemas.openxmlformats.org/officeDocument/2006/relationships" xmlns:p="http://schemas.openxmlformats.org/presentationml/2006/main">
+  <p:cSld>
+    <p:spTree>
+      <p:nvGrpSpPr>
+        <p:cNvPr id="1" name=""/>
+        <p:cNvGrpSpPr/>
+        <p:nvPr/>
+      </p:nvGrpSpPr>
+      <p:grpSpPr>
+        <a:xfrm>
+          <a:off x="0" y="0"/>
+          <a:ext cx="0" cy="0"/>
+          <a:chOff x="0" y="0"/>
+          <a:chExt cx="0" cy="0"/>
+        </a:xfrm>
+      </p:grpSpPr>
+      <p:sp>
+        <p:nvSpPr>
+          <p:cNvPr id="2" name="Title 1"/>
+          <p:cNvSpPr>
+            <a:spLocks noGrp="1"/>
+          </p:cNvSpPr>
+          <p:nvPr>
+            <p:ph type="title"/>
+          </p:nvPr>
+        </p:nvSpPr>
+        <p:spPr/>
+        <p:txBody>
+          <a:bodyPr/>
+          <a:lstStyle/>
+          <a:p>
+            <a:r>
+              <a:rPr lang="en-GB" dirty="0"/>
+              <a:t>Generic Waterfall</a:t>
+            </a:r>
+          </a:p>
+        </p:txBody>
+      </p:sp>
+      <p:grpSp>
+        <p:nvGrpSpPr>
+          <p:cNvPr id="17" name="Group 16">
+            <a:extLst>
+              <a:ext uri="{FF2B5EF4-FFF2-40B4-BE49-F238E27FC236}">
+                <a16:creationId xmlns:a16="http://schemas.microsoft.com/office/drawing/2014/main" id="{44C3A094-790D-4941-BC0B-3579AEA72D87}"/>
+              </a:ext>
+            </a:extLst>
+          </p:cNvPr>
+          <p:cNvGrpSpPr/>
+          <p:nvPr/>
+        </p:nvGrpSpPr>
+        <p:grpSpPr>
+          <a:xfrm>
+            <a:off x="2049277" y="1587308"/>
+            <a:ext cx="5167672" cy="4961783"/>
+            <a:chOff x="2049277" y="1587308"/>
+            <a:chExt cx="5167672" cy="4961783"/>
+          </a:xfrm>
+        </p:grpSpPr>
+        <p:sp>
+          <p:nvSpPr>
+            <p:cNvPr id="8" name="Rectangle 7">
+              <a:extLst>
+                <a:ext uri="{FF2B5EF4-FFF2-40B4-BE49-F238E27FC236}">
+                  <a16:creationId xmlns:a16="http://schemas.microsoft.com/office/drawing/2014/main" id="{F400C43E-1A49-4057-9F79-82DFA698FFFF}"/>
+                </a:ext>
+              </a:extLst>
+            </p:cNvPr>
+            <p:cNvSpPr/>
+            <p:nvPr/>
+          </p:nvSpPr>
+          <p:spPr>
+            <a:xfrm>
+              <a:off x="3022554" y="2607530"/>
+              <a:ext cx="1275062" cy="872568"/>
+            </a:xfrm>
+            <a:prstGeom prst="rect">
+              <a:avLst/>
+            </a:prstGeom>
+            <a:solidFill>
+              <a:schemeClr val="tx1"/>
+            </a:solidFill>
+            <a:ln>
+              <a:solidFill>
+                <a:schemeClr val="bg1"/>
+              </a:solidFill>
+            </a:ln>
+            <a:effectLst/>
+          </p:spPr>
+          <p:style>
+            <a:lnRef idx="1">
+              <a:schemeClr val="accent1"/>
+            </a:lnRef>
+            <a:fillRef idx="3">
+              <a:schemeClr val="accent1"/>
+            </a:fillRef>
+            <a:effectRef idx="2">
+              <a:schemeClr val="accent1"/>
+            </a:effectRef>
+            <a:fontRef idx="minor">
+              <a:schemeClr val="lt1"/>
+            </a:fontRef>
+          </p:style>
+          <p:txBody>
+            <a:bodyPr tIns="0" bIns="72000" rtlCol="0" anchor="ctr"/>
+            <a:lstStyle/>
+            <a:p>
+              <a:pPr algn="ctr"/>
+              <a:r>
+                <a:rPr lang="en-GB" sz="1600" dirty="0">
+                  <a:solidFill>
+                    <a:schemeClr val="bg1"/>
+                  </a:solidFill>
+                </a:rPr>
+                <a:t>Design</a:t>
+              </a:r>
+            </a:p>
+          </p:txBody>
+        </p:sp>
+        <p:sp>
+          <p:nvSpPr>
+            <p:cNvPr id="9" name="Rectangle 8">
+              <a:extLst>
+                <a:ext uri="{FF2B5EF4-FFF2-40B4-BE49-F238E27FC236}">
+                  <a16:creationId xmlns:a16="http://schemas.microsoft.com/office/drawing/2014/main" id="{843AFD1B-1275-4828-8EE9-3B4A83F12D76}"/>
+                </a:ext>
+              </a:extLst>
+            </p:cNvPr>
+            <p:cNvSpPr/>
+            <p:nvPr/>
+          </p:nvSpPr>
+          <p:spPr>
+            <a:xfrm>
+              <a:off x="2049277" y="1587308"/>
+              <a:ext cx="1275062" cy="872568"/>
+            </a:xfrm>
+            <a:prstGeom prst="rect">
+              <a:avLst/>
+            </a:prstGeom>
+            <a:solidFill>
+              <a:schemeClr val="tx1"/>
+            </a:solidFill>
+            <a:ln>
+              <a:solidFill>
+                <a:schemeClr val="bg1"/>
+              </a:solidFill>
+            </a:ln>
+            <a:effectLst/>
+          </p:spPr>
+          <p:style>
+            <a:lnRef idx="1">
+              <a:schemeClr val="accent1"/>
+            </a:lnRef>
+            <a:fillRef idx="3">
+              <a:schemeClr val="accent1"/>
+            </a:fillRef>
+            <a:effectRef idx="2">
+              <a:schemeClr val="accent1"/>
+            </a:effectRef>
+            <a:fontRef idx="minor">
+              <a:schemeClr val="lt1"/>
+            </a:fontRef>
+          </p:style>
+          <p:txBody>
+            <a:bodyPr tIns="0" bIns="72000" rtlCol="0" anchor="ctr"/>
+            <a:lstStyle/>
+            <a:p>
+              <a:pPr algn="ctr"/>
+              <a:r>
+                <a:rPr lang="en-GB" sz="1600" dirty="0">
+                  <a:solidFill>
+                    <a:schemeClr val="bg1"/>
+                  </a:solidFill>
+                </a:rPr>
+                <a:t>Analysis</a:t>
+              </a:r>
+            </a:p>
+          </p:txBody>
+        </p:sp>
+        <p:sp>
+          <p:nvSpPr>
+            <p:cNvPr id="10" name="Rectangle 9">
+              <a:extLst>
+                <a:ext uri="{FF2B5EF4-FFF2-40B4-BE49-F238E27FC236}">
+                  <a16:creationId xmlns:a16="http://schemas.microsoft.com/office/drawing/2014/main" id="{5B8101DE-0AE5-491A-AB3E-4F503C771607}"/>
+                </a:ext>
+              </a:extLst>
+            </p:cNvPr>
+            <p:cNvSpPr/>
+            <p:nvPr/>
+          </p:nvSpPr>
+          <p:spPr>
+            <a:xfrm>
+              <a:off x="3995831" y="3627752"/>
+              <a:ext cx="1275062" cy="872568"/>
+            </a:xfrm>
+            <a:prstGeom prst="rect">
+              <a:avLst/>
+            </a:prstGeom>
+            <a:solidFill>
+              <a:schemeClr val="tx1"/>
+            </a:solidFill>
+            <a:ln>
+              <a:solidFill>
+                <a:schemeClr val="bg1"/>
+              </a:solidFill>
+            </a:ln>
+            <a:effectLst/>
+          </p:spPr>
+          <p:style>
+            <a:lnRef idx="1">
+              <a:schemeClr val="accent1"/>
+            </a:lnRef>
+            <a:fillRef idx="3">
+              <a:schemeClr val="accent1"/>
+            </a:fillRef>
+            <a:effectRef idx="2">
+              <a:schemeClr val="accent1"/>
+            </a:effectRef>
+            <a:fontRef idx="minor">
+              <a:schemeClr val="lt1"/>
+            </a:fontRef>
+          </p:style>
+          <p:txBody>
+            <a:bodyPr tIns="0" bIns="72000" rtlCol="0" anchor="ctr"/>
+            <a:lstStyle/>
+            <a:p>
+              <a:pPr algn="ctr"/>
+              <a:r>
+                <a:rPr lang="en-GB" sz="1600" dirty="0">
+                  <a:solidFill>
+                    <a:schemeClr val="bg1"/>
+                  </a:solidFill>
+                </a:rPr>
+                <a:t>Code</a:t>
+              </a:r>
+            </a:p>
+          </p:txBody>
+        </p:sp>
+        <p:sp>
+          <p:nvSpPr>
+            <p:cNvPr id="11" name="Rectangle 10">
+              <a:extLst>
+                <a:ext uri="{FF2B5EF4-FFF2-40B4-BE49-F238E27FC236}">
+                  <a16:creationId xmlns:a16="http://schemas.microsoft.com/office/drawing/2014/main" id="{DBE800F3-D22A-4706-9B23-22654F288417}"/>
+                </a:ext>
+              </a:extLst>
+            </p:cNvPr>
+            <p:cNvSpPr/>
+            <p:nvPr/>
+          </p:nvSpPr>
+          <p:spPr>
+            <a:xfrm>
+              <a:off x="4969108" y="4647974"/>
+              <a:ext cx="1275062" cy="872568"/>
+            </a:xfrm>
+            <a:prstGeom prst="rect">
+              <a:avLst/>
+            </a:prstGeom>
+            <a:solidFill>
+              <a:schemeClr val="tx1"/>
+            </a:solidFill>
+            <a:ln>
+              <a:solidFill>
+                <a:schemeClr val="bg1"/>
+              </a:solidFill>
+            </a:ln>
+            <a:effectLst/>
+          </p:spPr>
+          <p:style>
+            <a:lnRef idx="1">
+              <a:schemeClr val="accent1"/>
+            </a:lnRef>
+            <a:fillRef idx="3">
+              <a:schemeClr val="accent1"/>
+            </a:fillRef>
+            <a:effectRef idx="2">
+              <a:schemeClr val="accent1"/>
+            </a:effectRef>
+            <a:fontRef idx="minor">
+              <a:schemeClr val="lt1"/>
+            </a:fontRef>
+          </p:style>
+          <p:txBody>
+            <a:bodyPr tIns="0" bIns="72000" rtlCol="0" anchor="ctr"/>
+            <a:lstStyle/>
+            <a:p>
+              <a:pPr algn="ctr"/>
+              <a:r>
+                <a:rPr lang="en-GB" sz="1600" dirty="0">
+                  <a:solidFill>
+                    <a:schemeClr val="bg1"/>
+                  </a:solidFill>
+                </a:rPr>
+                <a:t>Test</a:t>
+              </a:r>
+            </a:p>
+          </p:txBody>
+        </p:sp>
+        <p:cxnSp>
+          <p:nvCxnSpPr>
+            <p:cNvPr id="12" name="Elbow Connector 9">
+              <a:extLst>
+                <a:ext uri="{FF2B5EF4-FFF2-40B4-BE49-F238E27FC236}">
+                  <a16:creationId xmlns:a16="http://schemas.microsoft.com/office/drawing/2014/main" id="{1B9E02F6-3C96-4505-BD4B-99E4E0C10965}"/>
+                </a:ext>
+              </a:extLst>
+            </p:cNvPr>
+            <p:cNvCxnSpPr>
+              <a:stCxn id="9" idx="3"/>
+              <a:endCxn id="8" idx="0"/>
+            </p:cNvCxnSpPr>
+            <p:nvPr/>
+          </p:nvCxnSpPr>
+          <p:spPr>
+            <a:xfrm>
+              <a:off x="3324339" y="2023592"/>
+              <a:ext cx="335746" cy="583938"/>
+            </a:xfrm>
+            <a:prstGeom prst="bentConnector2">
+              <a:avLst/>
+            </a:prstGeom>
+            <a:ln>
+              <a:solidFill>
+                <a:schemeClr val="bg1"/>
+              </a:solidFill>
+              <a:tailEnd type="arrow"/>
+            </a:ln>
+            <a:effectLst/>
+          </p:spPr>
+          <p:style>
+            <a:lnRef idx="2">
+              <a:schemeClr val="accent1"/>
+            </a:lnRef>
+            <a:fillRef idx="0">
+              <a:schemeClr val="accent1"/>
+            </a:fillRef>
+            <a:effectRef idx="1">
+              <a:schemeClr val="accent1"/>
+            </a:effectRef>
+            <a:fontRef idx="minor">
+              <a:schemeClr val="tx1"/>
+            </a:fontRef>
+          </p:style>
+        </p:cxnSp>
+        <p:cxnSp>
+          <p:nvCxnSpPr>
+            <p:cNvPr id="13" name="Elbow Connector 12">
+              <a:extLst>
+                <a:ext uri="{FF2B5EF4-FFF2-40B4-BE49-F238E27FC236}">
+                  <a16:creationId xmlns:a16="http://schemas.microsoft.com/office/drawing/2014/main" id="{BBCD1A96-C416-442C-BE1A-87FEB8875AF4}"/>
+                </a:ext>
+              </a:extLst>
+            </p:cNvPr>
+            <p:cNvCxnSpPr>
+              <a:stCxn id="8" idx="3"/>
+              <a:endCxn id="10" idx="0"/>
+            </p:cNvCxnSpPr>
+            <p:nvPr/>
+          </p:nvCxnSpPr>
+          <p:spPr>
+            <a:xfrm>
+              <a:off x="4297616" y="3043814"/>
+              <a:ext cx="335746" cy="583938"/>
+            </a:xfrm>
+            <a:prstGeom prst="bentConnector2">
+              <a:avLst/>
+            </a:prstGeom>
+            <a:ln>
+              <a:solidFill>
+                <a:schemeClr val="bg1"/>
+              </a:solidFill>
+              <a:tailEnd type="arrow"/>
+            </a:ln>
+            <a:effectLst/>
+          </p:spPr>
+          <p:style>
+            <a:lnRef idx="2">
+              <a:schemeClr val="accent1"/>
+            </a:lnRef>
+            <a:fillRef idx="0">
+              <a:schemeClr val="accent1"/>
+            </a:fillRef>
+            <a:effectRef idx="1">
+              <a:schemeClr val="accent1"/>
+            </a:effectRef>
+            <a:fontRef idx="minor">
+              <a:schemeClr val="tx1"/>
+            </a:fontRef>
+          </p:style>
+        </p:cxnSp>
+        <p:cxnSp>
+          <p:nvCxnSpPr>
+            <p:cNvPr id="14" name="Elbow Connector 17">
+              <a:extLst>
+                <a:ext uri="{FF2B5EF4-FFF2-40B4-BE49-F238E27FC236}">
+                  <a16:creationId xmlns:a16="http://schemas.microsoft.com/office/drawing/2014/main" id="{33293FCA-D11B-418F-AE6C-51E42685F90A}"/>
+                </a:ext>
+              </a:extLst>
+            </p:cNvPr>
+            <p:cNvCxnSpPr>
+              <a:stCxn id="10" idx="3"/>
+              <a:endCxn id="11" idx="0"/>
+            </p:cNvCxnSpPr>
+            <p:nvPr/>
+          </p:nvCxnSpPr>
+          <p:spPr>
+            <a:xfrm>
+              <a:off x="5270893" y="4064036"/>
+              <a:ext cx="335746" cy="583938"/>
+            </a:xfrm>
+            <a:prstGeom prst="bentConnector2">
+              <a:avLst/>
+            </a:prstGeom>
+            <a:ln>
+              <a:solidFill>
+                <a:schemeClr val="bg1"/>
+              </a:solidFill>
+              <a:tailEnd type="arrow"/>
+            </a:ln>
+            <a:effectLst/>
+          </p:spPr>
+          <p:style>
+            <a:lnRef idx="2">
+              <a:schemeClr val="accent1"/>
+            </a:lnRef>
+            <a:fillRef idx="0">
+              <a:schemeClr val="accent1"/>
+            </a:fillRef>
+            <a:effectRef idx="1">
+              <a:schemeClr val="accent1"/>
+            </a:effectRef>
+            <a:fontRef idx="minor">
+              <a:schemeClr val="tx1"/>
+            </a:fontRef>
+          </p:style>
+        </p:cxnSp>
+        <p:cxnSp>
+          <p:nvCxnSpPr>
+            <p:cNvPr id="15" name="Elbow Connector 35">
+              <a:extLst>
+                <a:ext uri="{FF2B5EF4-FFF2-40B4-BE49-F238E27FC236}">
+                  <a16:creationId xmlns:a16="http://schemas.microsoft.com/office/drawing/2014/main" id="{820275B4-4FE4-4D3E-A24C-65C932D4B2F3}"/>
+                </a:ext>
+              </a:extLst>
+            </p:cNvPr>
+            <p:cNvCxnSpPr>
+              <a:stCxn id="11" idx="3"/>
+              <a:endCxn id="16" idx="0"/>
+            </p:cNvCxnSpPr>
+            <p:nvPr/>
+          </p:nvCxnSpPr>
+          <p:spPr>
+            <a:xfrm>
+              <a:off x="6244170" y="5084258"/>
+              <a:ext cx="335248" cy="592265"/>
+            </a:xfrm>
+            <a:prstGeom prst="bentConnector2">
+              <a:avLst/>
+            </a:prstGeom>
+            <a:ln>
+              <a:solidFill>
+                <a:schemeClr val="bg1"/>
+              </a:solidFill>
+              <a:tailEnd type="arrow"/>
+            </a:ln>
+            <a:effectLst/>
+          </p:spPr>
+          <p:style>
+            <a:lnRef idx="2">
+              <a:schemeClr val="accent1"/>
+            </a:lnRef>
+            <a:fillRef idx="0">
+              <a:schemeClr val="accent1"/>
+            </a:fillRef>
+            <a:effectRef idx="1">
+              <a:schemeClr val="accent1"/>
+            </a:effectRef>
+            <a:fontRef idx="minor">
+              <a:schemeClr val="tx1"/>
+            </a:fontRef>
+          </p:style>
+        </p:cxnSp>
+        <p:sp>
+          <p:nvSpPr>
+            <p:cNvPr id="16" name="Rectangle 15">
+              <a:extLst>
+                <a:ext uri="{FF2B5EF4-FFF2-40B4-BE49-F238E27FC236}">
+                  <a16:creationId xmlns:a16="http://schemas.microsoft.com/office/drawing/2014/main" id="{A938A71E-CA33-41C7-B3F7-93CF022F0B33}"/>
+                </a:ext>
+              </a:extLst>
+            </p:cNvPr>
+            <p:cNvSpPr/>
+            <p:nvPr/>
+          </p:nvSpPr>
+          <p:spPr>
+            <a:xfrm>
+              <a:off x="5941887" y="5676523"/>
+              <a:ext cx="1275062" cy="872568"/>
+            </a:xfrm>
+            <a:prstGeom prst="rect">
+              <a:avLst/>
+            </a:prstGeom>
+            <a:solidFill>
+              <a:schemeClr val="tx1"/>
+            </a:solidFill>
+            <a:ln>
+              <a:solidFill>
+                <a:schemeClr val="bg1"/>
+              </a:solidFill>
+            </a:ln>
+            <a:effectLst/>
+          </p:spPr>
+          <p:style>
+            <a:lnRef idx="1">
+              <a:schemeClr val="accent1"/>
+            </a:lnRef>
+            <a:fillRef idx="3">
+              <a:schemeClr val="accent1"/>
+            </a:fillRef>
+            <a:effectRef idx="2">
+              <a:schemeClr val="accent1"/>
+            </a:effectRef>
+            <a:fontRef idx="minor">
+              <a:schemeClr val="lt1"/>
+            </a:fontRef>
+          </p:style>
+          <p:txBody>
+            <a:bodyPr tIns="0" bIns="72000" rtlCol="0" anchor="ctr"/>
+            <a:lstStyle/>
+            <a:p>
+              <a:pPr algn="ctr"/>
+              <a:r>
+                <a:rPr lang="en-GB" sz="1600" dirty="0">
+                  <a:solidFill>
+                    <a:schemeClr val="bg1"/>
+                  </a:solidFill>
+                </a:rPr>
+                <a:t>Deploy</a:t>
+              </a:r>
+            </a:p>
+          </p:txBody>
+        </p:sp>
+      </p:grpSp>
+    </p:spTree>
+    <p:extLst>
+      <p:ext uri="{BB962C8B-B14F-4D97-AF65-F5344CB8AC3E}">
+        <p14:creationId xmlns:p14="http://schemas.microsoft.com/office/powerpoint/2010/main" val="3097828400"/>
+      </p:ext>
+    </p:extLst>
+  </p:cSld>
+  <p:clrMapOvr>
+    <a:masterClrMapping/>
+  </p:clrMapOvr>
+</p:sld>
+</file>
+
+<file path=ppt/slides/slide12.xml><?xml version="1.0" encoding="utf-8"?>
+<p:sld xmlns:a="http://schemas.openxmlformats.org/drawingml/2006/main" xmlns:r="http://schemas.openxmlformats.org/officeDocument/2006/relationships" xmlns:p="http://schemas.openxmlformats.org/presentationml/2006/main">
+  <p:cSld>
+    <p:spTree>
+      <p:nvGrpSpPr>
+        <p:cNvPr id="1" name=""/>
+        <p:cNvGrpSpPr/>
+        <p:nvPr/>
+      </p:nvGrpSpPr>
+      <p:grpSpPr>
+        <a:xfrm>
+          <a:off x="0" y="0"/>
+          <a:ext cx="0" cy="0"/>
+          <a:chOff x="0" y="0"/>
+          <a:chExt cx="0" cy="0"/>
+        </a:xfrm>
+      </p:grpSpPr>
+      <p:sp>
+        <p:nvSpPr>
+          <p:cNvPr id="2" name="Title 1"/>
+          <p:cNvSpPr>
+            <a:spLocks noGrp="1"/>
+          </p:cNvSpPr>
+          <p:nvPr>
+            <p:ph type="title"/>
+          </p:nvPr>
+        </p:nvSpPr>
+        <p:spPr/>
+        <p:txBody>
+          <a:bodyPr/>
+          <a:lstStyle/>
+          <a:p>
+            <a:r>
+              <a:rPr lang="en-GB" dirty="0"/>
+              <a:t>Agile Methods</a:t>
+            </a:r>
+          </a:p>
+        </p:txBody>
+      </p:sp>
+      <p:sp>
+        <p:nvSpPr>
+          <p:cNvPr id="3" name="Content Placeholder 2"/>
+          <p:cNvSpPr>
+            <a:spLocks noGrp="1"/>
+          </p:cNvSpPr>
+          <p:nvPr>
+            <p:ph idx="1"/>
+          </p:nvPr>
+        </p:nvSpPr>
+        <p:spPr/>
+        <p:txBody>
+          <a:bodyPr>
+            <a:normAutofit/>
+          </a:bodyPr>
+          <a:lstStyle/>
+          <a:p>
+            <a:r>
+              <a:rPr lang="en-GB" dirty="0"/>
+              <a:t>There are various approaches adhering to Agile</a:t>
+            </a:r>
+          </a:p>
+          <a:p>
+            <a:r>
+              <a:rPr lang="en-GB" dirty="0"/>
+              <a:t>Not just limited to software, but also other industries</a:t>
+            </a:r>
+          </a:p>
+          <a:p>
+            <a:endParaRPr lang="en-GB" dirty="0"/>
+          </a:p>
+          <a:p>
+            <a:r>
+              <a:rPr lang="en-GB" dirty="0"/>
+              <a:t>We'll focus on Extreme Programming (XP)</a:t>
+            </a:r>
+          </a:p>
+          <a:p>
+            <a:r>
+              <a:rPr lang="en-GB" dirty="0"/>
+              <a:t>Mainly because its popular and well documented</a:t>
+            </a:r>
+          </a:p>
+          <a:p>
+            <a:endParaRPr lang="en-GB" dirty="0"/>
+          </a:p>
+          <a:p>
+            <a:r>
+              <a:rPr lang="en-GB" dirty="0"/>
+              <a:t>We won't be covering all aspects - it's too big !</a:t>
+            </a:r>
+          </a:p>
+          <a:p>
+            <a:r>
+              <a:rPr lang="en-GB" dirty="0"/>
+              <a:t>But will introduce a number of key “practices”</a:t>
+            </a:r>
+          </a:p>
+          <a:p>
+            <a:r>
+              <a:rPr lang="en-GB" dirty="0"/>
+              <a:t>Should hopefully be useful in your coming projects</a:t>
+            </a:r>
+          </a:p>
+        </p:txBody>
+      </p:sp>
+    </p:spTree>
+    <p:extLst>
+      <p:ext uri="{BB962C8B-B14F-4D97-AF65-F5344CB8AC3E}">
+        <p14:creationId xmlns:p14="http://schemas.microsoft.com/office/powerpoint/2010/main" val="990451460"/>
+      </p:ext>
+    </p:extLst>
+  </p:cSld>
+  <p:clrMapOvr>
+    <a:masterClrMapping/>
+  </p:clrMapOvr>
+</p:sld>
+</file>
+
+<file path=ppt/slides/slide13.xml><?xml version="1.0" encoding="utf-8"?>
+<p:sld xmlns:a="http://schemas.openxmlformats.org/drawingml/2006/main" xmlns:r="http://schemas.openxmlformats.org/officeDocument/2006/relationships" xmlns:p="http://schemas.openxmlformats.org/presentationml/2006/main">
+  <p:cSld>
+    <p:spTree>
+      <p:nvGrpSpPr>
+        <p:cNvPr id="1" name=""/>
+        <p:cNvGrpSpPr/>
+        <p:nvPr/>
+      </p:nvGrpSpPr>
+      <p:grpSpPr>
+        <a:xfrm>
+          <a:off x="0" y="0"/>
+          <a:ext cx="0" cy="0"/>
+          <a:chOff x="0" y="0"/>
+          <a:chExt cx="0" cy="0"/>
+        </a:xfrm>
+      </p:grpSpPr>
+      <p:sp>
+        <p:nvSpPr>
+          <p:cNvPr id="2" name="Title 1"/>
+          <p:cNvSpPr>
+            <a:spLocks noGrp="1"/>
+          </p:cNvSpPr>
+          <p:nvPr>
+            <p:ph type="title"/>
+          </p:nvPr>
+        </p:nvSpPr>
+        <p:spPr/>
+        <p:txBody>
+          <a:bodyPr/>
+          <a:lstStyle/>
+          <a:p>
+            <a:r>
+              <a:rPr lang="en-GB" dirty="0"/>
+              <a:t>Key XP Practices (1)</a:t>
+            </a:r>
+          </a:p>
+        </p:txBody>
+      </p:sp>
+      <p:sp>
+        <p:nvSpPr>
+          <p:cNvPr id="3" name="Content Placeholder 2"/>
+          <p:cNvSpPr>
+            <a:spLocks noGrp="1"/>
+          </p:cNvSpPr>
+          <p:nvPr>
+            <p:ph idx="1"/>
+          </p:nvPr>
+        </p:nvSpPr>
+        <p:spPr/>
+        <p:txBody>
+          <a:bodyPr>
+            <a:normAutofit/>
+          </a:bodyPr>
+          <a:lstStyle/>
+          <a:p>
+            <a:r>
+              <a:rPr lang="en-GB" dirty="0"/>
+              <a:t>Pair programming - Two heads are better than one</a:t>
+            </a:r>
+          </a:p>
+          <a:p>
+            <a:r>
+              <a:rPr lang="en-GB" dirty="0"/>
+              <a:t>Continuous integration – Code </a:t>
+            </a:r>
+            <a:r>
+              <a:rPr lang="en-GB" b="1" i="1" u="sng" dirty="0"/>
+              <a:t>always</a:t>
+            </a:r>
+            <a:r>
+              <a:rPr lang="en-GB" dirty="0"/>
+              <a:t> operational</a:t>
+            </a:r>
+          </a:p>
+          <a:p>
+            <a:r>
+              <a:rPr lang="en-GB" dirty="0"/>
+              <a:t>Test driven - Code </a:t>
+            </a:r>
+            <a:r>
+              <a:rPr lang="en-GB" b="1" i="1" u="sng" dirty="0"/>
+              <a:t>always</a:t>
+            </a:r>
+            <a:r>
+              <a:rPr lang="en-GB" dirty="0"/>
+              <a:t> runs correctly</a:t>
+            </a:r>
+          </a:p>
+          <a:p>
+            <a:r>
+              <a:rPr lang="en-GB" dirty="0"/>
+              <a:t>Whole team - Everyone included in everything 				  (often even the client !)</a:t>
+            </a:r>
+          </a:p>
+          <a:p>
+            <a:r>
+              <a:rPr lang="en-GB" dirty="0"/>
+              <a:t>Design improvement - refactor the whole system structure, when ever things get messy</a:t>
+            </a:r>
+          </a:p>
+        </p:txBody>
+      </p:sp>
+    </p:spTree>
+    <p:extLst>
+      <p:ext uri="{BB962C8B-B14F-4D97-AF65-F5344CB8AC3E}">
+        <p14:creationId xmlns:p14="http://schemas.microsoft.com/office/powerpoint/2010/main" val="3423110453"/>
+      </p:ext>
+    </p:extLst>
+  </p:cSld>
+  <p:clrMapOvr>
+    <a:masterClrMapping/>
+  </p:clrMapOvr>
+</p:sld>
+</file>
+
+<file path=ppt/slides/slide14.xml><?xml version="1.0" encoding="utf-8"?>
+<p:sld xmlns:a="http://schemas.openxmlformats.org/drawingml/2006/main" xmlns:r="http://schemas.openxmlformats.org/officeDocument/2006/relationships" xmlns:p="http://schemas.openxmlformats.org/presentationml/2006/main">
+  <p:cSld>
+    <p:spTree>
+      <p:nvGrpSpPr>
+        <p:cNvPr id="1" name=""/>
+        <p:cNvGrpSpPr/>
+        <p:nvPr/>
+      </p:nvGrpSpPr>
+      <p:grpSpPr>
+        <a:xfrm>
+          <a:off x="0" y="0"/>
+          <a:ext cx="0" cy="0"/>
+          <a:chOff x="0" y="0"/>
+          <a:chExt cx="0" cy="0"/>
+        </a:xfrm>
+      </p:grpSpPr>
+      <p:sp>
+        <p:nvSpPr>
+          <p:cNvPr id="2" name="Title 1"/>
+          <p:cNvSpPr>
+            <a:spLocks noGrp="1"/>
+          </p:cNvSpPr>
+          <p:nvPr>
+            <p:ph type="title"/>
+          </p:nvPr>
+        </p:nvSpPr>
+        <p:spPr/>
+        <p:txBody>
+          <a:bodyPr/>
+          <a:lstStyle/>
+          <a:p>
+            <a:r>
+              <a:rPr lang="en-GB" dirty="0"/>
+              <a:t>Key XP Practices (2)</a:t>
+            </a:r>
+          </a:p>
+        </p:txBody>
+      </p:sp>
+      <p:sp>
+        <p:nvSpPr>
+          <p:cNvPr id="3" name="Content Placeholder 2"/>
+          <p:cNvSpPr>
+            <a:spLocks noGrp="1"/>
+          </p:cNvSpPr>
+          <p:nvPr>
+            <p:ph idx="1"/>
+          </p:nvPr>
+        </p:nvSpPr>
+        <p:spPr/>
+        <p:txBody>
+          <a:bodyPr>
+            <a:normAutofit/>
+          </a:bodyPr>
+          <a:lstStyle/>
+          <a:p>
+            <a:r>
+              <a:rPr lang="en-GB" dirty="0"/>
+              <a:t>Small releases - deliver frequently, get feedback</a:t>
+            </a:r>
+          </a:p>
+          <a:p>
+            <a:r>
+              <a:rPr lang="en-GB" dirty="0"/>
+              <a:t>Coding standard - agreed style and format</a:t>
+            </a:r>
+          </a:p>
+          <a:p>
+            <a:r>
+              <a:rPr lang="en-GB" dirty="0"/>
+              <a:t>Collective ownership - everyone owns all code</a:t>
+            </a:r>
+          </a:p>
+          <a:p>
+            <a:r>
+              <a:rPr lang="en-GB" dirty="0"/>
+              <a:t>Simple design - simplest way to implement features</a:t>
+            </a:r>
+          </a:p>
+          <a:p>
+            <a:r>
+              <a:rPr lang="en-GB" dirty="0"/>
+              <a:t>Sustainable pace - effort is constant, manageable</a:t>
+            </a:r>
+          </a:p>
+        </p:txBody>
+      </p:sp>
+    </p:spTree>
+    <p:extLst>
+      <p:ext uri="{BB962C8B-B14F-4D97-AF65-F5344CB8AC3E}">
+        <p14:creationId xmlns:p14="http://schemas.microsoft.com/office/powerpoint/2010/main" val="1942513"/>
+      </p:ext>
+    </p:extLst>
+  </p:cSld>
+  <p:clrMapOvr>
+    <a:masterClrMapping/>
+  </p:clrMapOvr>
+</p:sld>
+</file>
+
+<file path=ppt/slides/slide15.xml><?xml version="1.0" encoding="utf-8"?>
+<p:sld xmlns:a="http://schemas.openxmlformats.org/drawingml/2006/main" xmlns:r="http://schemas.openxmlformats.org/officeDocument/2006/relationships" xmlns:p="http://schemas.openxmlformats.org/presentationml/2006/main">
+  <p:cSld>
+    <p:spTree>
+      <p:nvGrpSpPr>
+        <p:cNvPr id="1" name=""/>
+        <p:cNvGrpSpPr/>
+        <p:nvPr/>
+      </p:nvGrpSpPr>
+      <p:grpSpPr>
+        <a:xfrm>
+          <a:off x="0" y="0"/>
+          <a:ext cx="0" cy="0"/>
+          <a:chOff x="0" y="0"/>
+          <a:chExt cx="0" cy="0"/>
+        </a:xfrm>
+      </p:grpSpPr>
+      <p:sp>
+        <p:nvSpPr>
+          <p:cNvPr id="2" name="Title 1"/>
+          <p:cNvSpPr>
+            <a:spLocks noGrp="1"/>
+          </p:cNvSpPr>
+          <p:nvPr>
+            <p:ph type="title"/>
+          </p:nvPr>
+        </p:nvSpPr>
+        <p:spPr/>
+        <p:txBody>
+          <a:bodyPr/>
+          <a:lstStyle/>
+          <a:p>
+            <a:r>
+              <a:rPr lang="en-GB" dirty="0"/>
+              <a:t>XP Anti-practices – You (until now !)</a:t>
+            </a:r>
+          </a:p>
+        </p:txBody>
+      </p:sp>
+      <p:sp>
+        <p:nvSpPr>
+          <p:cNvPr id="3" name="Content Placeholder 2"/>
+          <p:cNvSpPr>
+            <a:spLocks noGrp="1"/>
+          </p:cNvSpPr>
+          <p:nvPr>
+            <p:ph idx="1"/>
+          </p:nvPr>
+        </p:nvSpPr>
+        <p:spPr/>
+        <p:txBody>
+          <a:bodyPr>
+            <a:normAutofit/>
+          </a:bodyPr>
+          <a:lstStyle/>
+          <a:p>
+            <a:r>
+              <a:rPr lang="en-GB" dirty="0"/>
+              <a:t>System designed once at start (doesn't change)</a:t>
+            </a:r>
+          </a:p>
+          <a:p>
+            <a:r>
+              <a:rPr lang="en-GB" dirty="0"/>
+              <a:t>Structure is complex and sophisticated</a:t>
+            </a:r>
+          </a:p>
+          <a:p>
+            <a:r>
+              <a:rPr lang="en-GB" dirty="0"/>
+              <a:t>Programmers work primarily on their own</a:t>
+            </a:r>
+          </a:p>
+          <a:p>
+            <a:r>
+              <a:rPr lang="en-GB" dirty="0"/>
+              <a:t>Individuals responsible just for their own code</a:t>
+            </a:r>
+          </a:p>
+          <a:p>
+            <a:r>
+              <a:rPr lang="en-GB" dirty="0"/>
+              <a:t>Everyone writes code in their own style</a:t>
+            </a:r>
+          </a:p>
+          <a:p>
+            <a:r>
+              <a:rPr lang="en-GB" dirty="0"/>
+              <a:t>Development takes place in heroic bursts</a:t>
+            </a:r>
+          </a:p>
+          <a:p>
+            <a:r>
+              <a:rPr lang="en-GB" dirty="0"/>
+              <a:t>Some weekends are worked !</a:t>
+            </a:r>
+          </a:p>
+        </p:txBody>
+      </p:sp>
+    </p:spTree>
+    <p:extLst>
+      <p:ext uri="{BB962C8B-B14F-4D97-AF65-F5344CB8AC3E}">
+        <p14:creationId xmlns:p14="http://schemas.microsoft.com/office/powerpoint/2010/main" val="2566001804"/>
+      </p:ext>
+    </p:extLst>
+  </p:cSld>
+  <p:clrMapOvr>
+    <a:masterClrMapping/>
+  </p:clrMapOvr>
+</p:sld>
+</file>
+
+<file path=ppt/slides/slide16.xml><?xml version="1.0" encoding="utf-8"?>
+<p:sld xmlns:a="http://schemas.openxmlformats.org/drawingml/2006/main" xmlns:r="http://schemas.openxmlformats.org/officeDocument/2006/relationships" xmlns:p="http://schemas.openxmlformats.org/presentationml/2006/main">
+  <p:cSld>
+    <p:spTree>
+      <p:nvGrpSpPr>
+        <p:cNvPr id="1" name=""/>
+        <p:cNvGrpSpPr/>
+        <p:nvPr/>
+      </p:nvGrpSpPr>
+      <p:grpSpPr>
+        <a:xfrm>
+          <a:off x="0" y="0"/>
+          <a:ext cx="0" cy="0"/>
+          <a:chOff x="0" y="0"/>
+          <a:chExt cx="0" cy="0"/>
+        </a:xfrm>
+      </p:grpSpPr>
+      <p:sp>
+        <p:nvSpPr>
+          <p:cNvPr id="2" name="Title 1"/>
+          <p:cNvSpPr>
+            <a:spLocks noGrp="1"/>
+          </p:cNvSpPr>
+          <p:nvPr>
+            <p:ph type="title"/>
+          </p:nvPr>
+        </p:nvSpPr>
+        <p:spPr/>
+        <p:txBody>
+          <a:bodyPr/>
+          <a:lstStyle/>
+          <a:p>
+            <a:r>
+              <a:rPr lang="en-GB" dirty="0"/>
+              <a:t>XP Anti-practices – Avoid in SPE !</a:t>
+            </a:r>
+          </a:p>
+        </p:txBody>
+      </p:sp>
+      <p:sp>
+        <p:nvSpPr>
+          <p:cNvPr id="3" name="Content Placeholder 2"/>
+          <p:cNvSpPr>
+            <a:spLocks noGrp="1"/>
+          </p:cNvSpPr>
+          <p:nvPr>
+            <p:ph idx="1"/>
+          </p:nvPr>
+        </p:nvSpPr>
+        <p:spPr/>
+        <p:txBody>
+          <a:bodyPr>
+            <a:normAutofit/>
+          </a:bodyPr>
+          <a:lstStyle/>
+          <a:p>
+            <a:r>
+              <a:rPr lang="en-GB" dirty="0"/>
+              <a:t>System consists of non-interoperating fragments</a:t>
+            </a:r>
+          </a:p>
+          <a:p>
+            <a:r>
+              <a:rPr lang="en-GB" dirty="0"/>
+              <a:t>Whole system only works at a late stage in process</a:t>
+            </a:r>
+          </a:p>
+          <a:p>
+            <a:r>
+              <a:rPr lang="en-GB" dirty="0"/>
+              <a:t>System tested late-on when almost finished</a:t>
+            </a:r>
+          </a:p>
+          <a:p>
+            <a:r>
+              <a:rPr lang="en-GB" dirty="0"/>
+              <a:t>Releases aren't planned, but just happen</a:t>
+            </a:r>
+          </a:p>
+          <a:p>
+            <a:r>
+              <a:rPr lang="en-GB" dirty="0"/>
+              <a:t>Clients only see finished product at end of project</a:t>
+            </a:r>
+          </a:p>
+        </p:txBody>
+      </p:sp>
+    </p:spTree>
+    <p:extLst>
+      <p:ext uri="{BB962C8B-B14F-4D97-AF65-F5344CB8AC3E}">
+        <p14:creationId xmlns:p14="http://schemas.microsoft.com/office/powerpoint/2010/main" val="1425832061"/>
+      </p:ext>
+    </p:extLst>
+  </p:cSld>
+  <p:clrMapOvr>
+    <a:masterClrMapping/>
+  </p:clrMapOvr>
+</p:sld>
+</file>
+
+<file path=ppt/slides/slide17.xml><?xml version="1.0" encoding="utf-8"?>
+<p:sld xmlns:a="http://schemas.openxmlformats.org/drawingml/2006/main" xmlns:r="http://schemas.openxmlformats.org/officeDocument/2006/relationships" xmlns:p="http://schemas.openxmlformats.org/presentationml/2006/main">
+  <p:cSld>
+    <p:spTree>
+      <p:nvGrpSpPr>
+        <p:cNvPr id="1" name=""/>
+        <p:cNvGrpSpPr/>
+        <p:nvPr/>
+      </p:nvGrpSpPr>
+      <p:grpSpPr>
+        <a:xfrm>
+          <a:off x="0" y="0"/>
+          <a:ext cx="0" cy="0"/>
+          <a:chOff x="0" y="0"/>
+          <a:chExt cx="0" cy="0"/>
+        </a:xfrm>
+      </p:grpSpPr>
+      <p:sp>
+        <p:nvSpPr>
+          <p:cNvPr id="2" name="Title 1"/>
+          <p:cNvSpPr>
+            <a:spLocks noGrp="1"/>
+          </p:cNvSpPr>
+          <p:nvPr>
+            <p:ph type="title"/>
+          </p:nvPr>
+        </p:nvSpPr>
+        <p:spPr/>
+        <p:txBody>
+          <a:bodyPr/>
+          <a:lstStyle/>
+          <a:p>
+            <a:r>
+              <a:rPr lang="en-GB" dirty="0"/>
+              <a:t>Pair programming in more detail</a:t>
+            </a:r>
+          </a:p>
+        </p:txBody>
+      </p:sp>
+      <p:sp>
+        <p:nvSpPr>
+          <p:cNvPr id="3" name="Content Placeholder 2"/>
+          <p:cNvSpPr>
+            <a:spLocks noGrp="1"/>
+          </p:cNvSpPr>
+          <p:nvPr>
+            <p:ph idx="1"/>
+          </p:nvPr>
+        </p:nvSpPr>
+        <p:spPr/>
+        <p:txBody>
+          <a:bodyPr>
+            <a:normAutofit/>
+          </a:bodyPr>
+          <a:lstStyle/>
+          <a:p>
+            <a:pPr marL="0" indent="0">
+              <a:buNone/>
+            </a:pPr>
+            <a:r>
+              <a:rPr lang="en-GB" sz="2200" dirty="0"/>
+              <a:t>All code written by two programmers on one machine:</a:t>
+            </a:r>
+          </a:p>
+          <a:p>
+            <a:r>
+              <a:rPr lang="en-GB" sz="2200" dirty="0"/>
+              <a:t>Helm: uses keyboard / mouse, does coding</a:t>
+            </a:r>
+          </a:p>
+          <a:p>
+            <a:r>
+              <a:rPr lang="en-GB" sz="2200" dirty="0"/>
+              <a:t>Tactician: thinks about implications &amp; problems</a:t>
+            </a:r>
+          </a:p>
+          <a:p>
+            <a:endParaRPr lang="en-GB" sz="2200" dirty="0"/>
+          </a:p>
+          <a:p>
+            <a:r>
+              <a:rPr lang="en-GB" sz="2200" dirty="0"/>
+              <a:t>The idea is that all code is reviewed as it is written !</a:t>
+            </a:r>
+          </a:p>
+          <a:p>
+            <a:r>
+              <a:rPr lang="en-GB" sz="2200" dirty="0"/>
+              <a:t>The pair don't "own" that code - anyone can change it</a:t>
+            </a:r>
+          </a:p>
+          <a:p>
+            <a:r>
+              <a:rPr lang="en-GB" sz="2200" dirty="0"/>
+              <a:t>Pairings can (and should) evolve at any time</a:t>
+            </a:r>
+          </a:p>
+          <a:p>
+            <a:r>
+              <a:rPr lang="en-GB" sz="2200" dirty="0"/>
+              <a:t>Pair </a:t>
+            </a:r>
+            <a:r>
+              <a:rPr lang="en-GB" sz="2200" dirty="0" err="1"/>
+              <a:t>prog</a:t>
+            </a:r>
+            <a:r>
+              <a:rPr lang="en-GB" sz="2200" dirty="0"/>
+              <a:t>. is an essential communication mechanisms</a:t>
+            </a:r>
+          </a:p>
+          <a:p>
+            <a:r>
+              <a:rPr lang="en-GB" sz="2200" dirty="0"/>
+              <a:t>Tactician is in ideal position to recommend refactoring</a:t>
+            </a:r>
+          </a:p>
+        </p:txBody>
+      </p:sp>
+    </p:spTree>
+    <p:extLst>
+      <p:ext uri="{BB962C8B-B14F-4D97-AF65-F5344CB8AC3E}">
+        <p14:creationId xmlns:p14="http://schemas.microsoft.com/office/powerpoint/2010/main" val="2429234359"/>
+      </p:ext>
+    </p:extLst>
+  </p:cSld>
+  <p:clrMapOvr>
+    <a:masterClrMapping/>
+  </p:clrMapOvr>
+</p:sld>
+</file>
+
+<file path=ppt/slides/slide18.xml><?xml version="1.0" encoding="utf-8"?>
+<p:sld xmlns:a="http://schemas.openxmlformats.org/drawingml/2006/main" xmlns:r="http://schemas.openxmlformats.org/officeDocument/2006/relationships" xmlns:p="http://schemas.openxmlformats.org/presentationml/2006/main">
+  <p:cSld>
+    <p:spTree>
+      <p:nvGrpSpPr>
+        <p:cNvPr id="1" name=""/>
+        <p:cNvGrpSpPr/>
+        <p:nvPr/>
+      </p:nvGrpSpPr>
+      <p:grpSpPr>
+        <a:xfrm>
+          <a:off x="0" y="0"/>
+          <a:ext cx="0" cy="0"/>
+          <a:chOff x="0" y="0"/>
+          <a:chExt cx="0" cy="0"/>
+        </a:xfrm>
+      </p:grpSpPr>
+      <p:sp>
+        <p:nvSpPr>
+          <p:cNvPr id="2" name="Title 1"/>
+          <p:cNvSpPr>
+            <a:spLocks noGrp="1"/>
+          </p:cNvSpPr>
+          <p:nvPr>
+            <p:ph type="title"/>
+          </p:nvPr>
+        </p:nvSpPr>
+        <p:spPr/>
+        <p:txBody>
+          <a:bodyPr/>
+          <a:lstStyle/>
+          <a:p>
+            <a:r>
+              <a:rPr lang="en-GB" dirty="0"/>
+              <a:t>Impact of pair programming</a:t>
+            </a:r>
+          </a:p>
+        </p:txBody>
+      </p:sp>
+      <p:sp>
+        <p:nvSpPr>
+          <p:cNvPr id="3" name="Content Placeholder 2"/>
+          <p:cNvSpPr>
+            <a:spLocks noGrp="1"/>
+          </p:cNvSpPr>
+          <p:nvPr>
+            <p:ph idx="1"/>
+          </p:nvPr>
+        </p:nvSpPr>
+        <p:spPr/>
+        <p:txBody>
+          <a:bodyPr/>
+          <a:lstStyle/>
+          <a:p>
+            <a:pPr marL="0" indent="0">
+              <a:buNone/>
+            </a:pPr>
+            <a:r>
+              <a:rPr lang="en-GB" dirty="0"/>
+              <a:t>Studies have assessed the impact of pair prog…</a:t>
+            </a:r>
+          </a:p>
+          <a:p>
+            <a:pPr marL="0" indent="0">
+              <a:buNone/>
+            </a:pPr>
+            <a:endParaRPr lang="en-GB" dirty="0"/>
+          </a:p>
+          <a:p>
+            <a:pPr marL="0" indent="0">
+              <a:buNone/>
+            </a:pPr>
+            <a:r>
+              <a:rPr lang="en-GB" dirty="0"/>
+              <a:t>Single programmer 77 source lines per month</a:t>
+            </a:r>
+          </a:p>
+          <a:p>
+            <a:pPr marL="0" indent="0">
+              <a:buNone/>
+            </a:pPr>
+            <a:r>
+              <a:rPr lang="en-GB" dirty="0"/>
+              <a:t>Pair programming 175 source lines per month</a:t>
+            </a:r>
+          </a:p>
+          <a:p>
+            <a:pPr marL="0" indent="0">
+              <a:buNone/>
+            </a:pPr>
+            <a:r>
+              <a:rPr lang="en-GB" dirty="0"/>
+              <a:t>[Jensen, 2003]</a:t>
+            </a:r>
+          </a:p>
+          <a:p>
+            <a:pPr marL="0" indent="0">
+              <a:buNone/>
+            </a:pPr>
+            <a:endParaRPr lang="en-GB" dirty="0"/>
+          </a:p>
+          <a:p>
+            <a:pPr marL="0" indent="0">
+              <a:buNone/>
+            </a:pPr>
+            <a:r>
+              <a:rPr lang="en-GB" dirty="0"/>
+              <a:t>15% Increase in development costs…</a:t>
+            </a:r>
+          </a:p>
+          <a:p>
+            <a:pPr marL="0" indent="0">
+              <a:buNone/>
+            </a:pPr>
+            <a:r>
+              <a:rPr lang="en-GB" dirty="0"/>
+              <a:t>but 15% fewer software defects</a:t>
+            </a:r>
+          </a:p>
+          <a:p>
+            <a:pPr marL="0" indent="0">
+              <a:buNone/>
+            </a:pPr>
+            <a:r>
+              <a:rPr lang="en-GB" dirty="0"/>
+              <a:t>[Cockburn &amp; Williams, 2001]</a:t>
+            </a:r>
+          </a:p>
+        </p:txBody>
+      </p:sp>
+    </p:spTree>
+    <p:extLst>
+      <p:ext uri="{BB962C8B-B14F-4D97-AF65-F5344CB8AC3E}">
+        <p14:creationId xmlns:p14="http://schemas.microsoft.com/office/powerpoint/2010/main" val="2003515093"/>
+      </p:ext>
+    </p:extLst>
+  </p:cSld>
+  <p:clrMapOvr>
+    <a:masterClrMapping/>
+  </p:clrMapOvr>
+</p:sld>
+</file>
+
+<file path=ppt/slides/slide19.xml><?xml version="1.0" encoding="utf-8"?>
+<p:sld xmlns:a="http://schemas.openxmlformats.org/drawingml/2006/main" xmlns:r="http://schemas.openxmlformats.org/officeDocument/2006/relationships" xmlns:p="http://schemas.openxmlformats.org/presentationml/2006/main">
+  <p:cSld>
+    <p:spTree>
+      <p:nvGrpSpPr>
+        <p:cNvPr id="1" name=""/>
+        <p:cNvGrpSpPr/>
+        <p:nvPr/>
+      </p:nvGrpSpPr>
+      <p:grpSpPr>
+        <a:xfrm>
+          <a:off x="0" y="0"/>
+          <a:ext cx="0" cy="0"/>
+          <a:chOff x="0" y="0"/>
+          <a:chExt cx="0" cy="0"/>
+        </a:xfrm>
+      </p:grpSpPr>
+      <p:sp>
+        <p:nvSpPr>
+          <p:cNvPr id="2" name="Title 1"/>
+          <p:cNvSpPr>
+            <a:spLocks noGrp="1"/>
+          </p:cNvSpPr>
+          <p:nvPr>
+            <p:ph type="title"/>
+          </p:nvPr>
+        </p:nvSpPr>
+        <p:spPr/>
+        <p:txBody>
+          <a:bodyPr/>
+          <a:lstStyle/>
+          <a:p>
+            <a:r>
+              <a:rPr lang="en-GB" dirty="0"/>
+              <a:t>Test-driven Development</a:t>
+            </a:r>
+          </a:p>
+        </p:txBody>
+      </p:sp>
+      <p:sp>
+        <p:nvSpPr>
+          <p:cNvPr id="3" name="Content Placeholder 2"/>
+          <p:cNvSpPr>
+            <a:spLocks noGrp="1"/>
+          </p:cNvSpPr>
+          <p:nvPr>
+            <p:ph idx="1"/>
+          </p:nvPr>
+        </p:nvSpPr>
+        <p:spPr/>
+        <p:txBody>
+          <a:bodyPr>
+            <a:normAutofit/>
+          </a:bodyPr>
+          <a:lstStyle/>
+          <a:p>
+            <a:r>
+              <a:rPr lang="en-GB" sz="2200" dirty="0"/>
+              <a:t>Tests written before any code &amp; leads all development</a:t>
+            </a:r>
+          </a:p>
+          <a:p>
+            <a:r>
+              <a:rPr lang="en-GB" sz="2200" dirty="0"/>
+              <a:t>Programmers job is to write code to pass the tests</a:t>
+            </a:r>
+          </a:p>
+          <a:p>
+            <a:r>
+              <a:rPr lang="en-GB" sz="2200" dirty="0"/>
+              <a:t>If there’s no test for a feature - you don't implement it</a:t>
+            </a:r>
+          </a:p>
+          <a:p>
+            <a:pPr marL="0" indent="0">
+              <a:buNone/>
+            </a:pPr>
+            <a:endParaRPr lang="en-GB" sz="2200" dirty="0"/>
+          </a:p>
+          <a:p>
+            <a:r>
+              <a:rPr lang="en-GB" sz="2200" dirty="0"/>
+              <a:t>Tests "are" the requirements of the system</a:t>
+            </a:r>
+          </a:p>
+          <a:p>
+            <a:r>
+              <a:rPr lang="en-GB" sz="2200" dirty="0"/>
+              <a:t>The test runner makes automatic verification possible !</a:t>
+            </a:r>
+          </a:p>
+        </p:txBody>
+      </p:sp>
+    </p:spTree>
+    <p:extLst>
+      <p:ext uri="{BB962C8B-B14F-4D97-AF65-F5344CB8AC3E}">
+        <p14:creationId xmlns:p14="http://schemas.microsoft.com/office/powerpoint/2010/main" val="3657958082"/>
+      </p:ext>
+    </p:extLst>
+  </p:cSld>
+  <p:clrMapOvr>
+    <a:masterClrMapping/>
+  </p:clrMapOvr>
+</p:sld>
+</file>
+
+<file path=ppt/slides/slide2.xml><?xml version="1.0" encoding="utf-8"?>
+<p:sld xmlns:a="http://schemas.openxmlformats.org/drawingml/2006/main" xmlns:r="http://schemas.openxmlformats.org/officeDocument/2006/relationships" xmlns:p="http://schemas.openxmlformats.org/presentationml/2006/main">
+  <p:cSld>
+    <p:spTree>
+      <p:nvGrpSpPr>
+        <p:cNvPr id="1" name=""/>
+        <p:cNvGrpSpPr/>
+        <p:nvPr/>
+      </p:nvGrpSpPr>
+      <p:grpSpPr>
+        <a:xfrm>
+          <a:off x="0" y="0"/>
+          <a:ext cx="0" cy="0"/>
+          <a:chOff x="0" y="0"/>
+          <a:chExt cx="0" cy="0"/>
+        </a:xfrm>
+      </p:grpSpPr>
+      <p:sp>
+        <p:nvSpPr>
+          <p:cNvPr id="2" name="Title 1"/>
+          <p:cNvSpPr>
+            <a:spLocks noGrp="1"/>
+          </p:cNvSpPr>
+          <p:nvPr>
+            <p:ph type="title"/>
+          </p:nvPr>
+        </p:nvSpPr>
+        <p:spPr/>
+        <p:txBody>
+          <a:bodyPr/>
+          <a:lstStyle/>
+          <a:p>
+            <a:r>
+              <a:rPr lang="en-GB" dirty="0"/>
+              <a:t>Agile</a:t>
+            </a:r>
+          </a:p>
+        </p:txBody>
+      </p:sp>
+      <p:sp>
+        <p:nvSpPr>
+          <p:cNvPr id="3" name="Content Placeholder 2"/>
+          <p:cNvSpPr>
+            <a:spLocks noGrp="1"/>
+          </p:cNvSpPr>
+          <p:nvPr>
+            <p:ph idx="1"/>
+          </p:nvPr>
+        </p:nvSpPr>
+        <p:spPr/>
+        <p:txBody>
+          <a:bodyPr>
+            <a:normAutofit/>
+          </a:bodyPr>
+          <a:lstStyle/>
+          <a:p>
+            <a:pPr marL="0" indent="0" algn="ctr">
+              <a:buNone/>
+            </a:pPr>
+            <a:r>
+              <a:rPr lang="en-GB" sz="2800" dirty="0"/>
+              <a:t>Agile is </a:t>
+            </a:r>
+            <a:r>
+              <a:rPr lang="en-GB" sz="2800" b="1" u="sng" dirty="0"/>
+              <a:t>NOT</a:t>
+            </a:r>
+            <a:r>
+              <a:rPr lang="en-GB" sz="2800" dirty="0"/>
+              <a:t> a development process</a:t>
+            </a:r>
+          </a:p>
+          <a:p>
+            <a:pPr marL="0" indent="0" algn="ctr">
+              <a:buNone/>
+            </a:pPr>
+            <a:r>
+              <a:rPr lang="en-GB" sz="2800" dirty="0"/>
+              <a:t>It is a </a:t>
+            </a:r>
+            <a:r>
+              <a:rPr lang="en-GB" sz="2800" b="1" i="1" dirty="0"/>
+              <a:t>philosophy</a:t>
+            </a:r>
+            <a:r>
+              <a:rPr lang="en-GB" sz="2800" dirty="0"/>
+              <a:t> - a way of thinking</a:t>
+            </a:r>
+          </a:p>
+          <a:p>
+            <a:pPr marL="0" indent="0">
+              <a:buNone/>
+            </a:pPr>
+            <a:endParaRPr lang="en-GB" dirty="0"/>
+          </a:p>
+          <a:p>
+            <a:pPr marL="0" indent="0">
+              <a:buNone/>
+            </a:pPr>
+            <a:r>
+              <a:rPr lang="en-GB" dirty="0"/>
+              <a:t>The Agile "Manifesto" promotes the following values:</a:t>
+            </a:r>
+          </a:p>
+          <a:p>
+            <a:pPr marL="0" indent="0">
+              <a:buNone/>
+            </a:pPr>
+            <a:endParaRPr lang="en-GB" sz="1000" dirty="0"/>
+          </a:p>
+          <a:p>
+            <a:r>
+              <a:rPr lang="en-GB" dirty="0"/>
+              <a:t> Individuals &amp; Interactions	(over processes &amp; tools)</a:t>
+            </a:r>
+          </a:p>
+          <a:p>
+            <a:r>
+              <a:rPr lang="en-GB" dirty="0"/>
+              <a:t> Operational Software	(over documentation)</a:t>
+            </a:r>
+          </a:p>
+          <a:p>
+            <a:r>
+              <a:rPr lang="en-GB" dirty="0"/>
+              <a:t> Customer Collaboration	(over formal contracts)</a:t>
+            </a:r>
+          </a:p>
+          <a:p>
+            <a:r>
+              <a:rPr lang="en-GB" dirty="0"/>
+              <a:t> Responding to Change	(over predefined plan)</a:t>
+            </a:r>
+          </a:p>
+        </p:txBody>
+      </p:sp>
+    </p:spTree>
+    <p:extLst>
+      <p:ext uri="{BB962C8B-B14F-4D97-AF65-F5344CB8AC3E}">
+        <p14:creationId xmlns:p14="http://schemas.microsoft.com/office/powerpoint/2010/main" val="113367403"/>
+      </p:ext>
+    </p:extLst>
+  </p:cSld>
+  <p:clrMapOvr>
+    <a:masterClrMapping/>
+  </p:clrMapOvr>
+</p:sld>
+</file>
+
+<file path=ppt/slides/slide20.xml><?xml version="1.0" encoding="utf-8"?>
+<p:sld xmlns:a="http://schemas.openxmlformats.org/drawingml/2006/main" xmlns:r="http://schemas.openxmlformats.org/officeDocument/2006/relationships" xmlns:p="http://schemas.openxmlformats.org/presentationml/2006/main">
+  <p:cSld>
+    <p:spTree>
+      <p:nvGrpSpPr>
+        <p:cNvPr id="1" name=""/>
+        <p:cNvGrpSpPr/>
+        <p:nvPr/>
+      </p:nvGrpSpPr>
+      <p:grpSpPr>
+        <a:xfrm>
+          <a:off x="0" y="0"/>
+          <a:ext cx="0" cy="0"/>
+          <a:chOff x="0" y="0"/>
+          <a:chExt cx="0" cy="0"/>
+        </a:xfrm>
+      </p:grpSpPr>
+      <p:sp>
+        <p:nvSpPr>
+          <p:cNvPr id="2" name="Title 1"/>
+          <p:cNvSpPr>
+            <a:spLocks noGrp="1"/>
+          </p:cNvSpPr>
+          <p:nvPr>
+            <p:ph type="title"/>
+          </p:nvPr>
+        </p:nvSpPr>
+        <p:spPr/>
+        <p:txBody>
+          <a:bodyPr/>
+          <a:lstStyle/>
+          <a:p>
+            <a:r>
+              <a:rPr lang="en-US" dirty="0"/>
+              <a:t>Benefits of test-driven development</a:t>
+            </a:r>
+          </a:p>
+        </p:txBody>
+      </p:sp>
+      <p:sp>
+        <p:nvSpPr>
+          <p:cNvPr id="3" name="Content Placeholder 2"/>
+          <p:cNvSpPr>
+            <a:spLocks noGrp="1"/>
+          </p:cNvSpPr>
+          <p:nvPr>
+            <p:ph idx="1"/>
+          </p:nvPr>
+        </p:nvSpPr>
+        <p:spPr/>
+        <p:txBody>
+          <a:bodyPr>
+            <a:normAutofit/>
+          </a:bodyPr>
+          <a:lstStyle/>
+          <a:p>
+            <a:pPr marL="0" indent="0">
+              <a:buNone/>
+            </a:pPr>
+            <a:r>
+              <a:rPr lang="en-US" b="1" u="sng" dirty="0"/>
+              <a:t>Code coverage</a:t>
+            </a:r>
+          </a:p>
+          <a:p>
+            <a:pPr marL="0" indent="0">
+              <a:buNone/>
+            </a:pPr>
+            <a:r>
+              <a:rPr lang="en-US" dirty="0"/>
+              <a:t>We are sure that all code written has at least 1 test</a:t>
+            </a:r>
+            <a:endParaRPr lang="en-GB" dirty="0"/>
+          </a:p>
+          <a:p>
+            <a:pPr marL="0" indent="0">
+              <a:buNone/>
+            </a:pPr>
+            <a:endParaRPr lang="en-US" dirty="0"/>
+          </a:p>
+          <a:p>
+            <a:pPr marL="0" indent="0">
+              <a:buNone/>
+            </a:pPr>
+            <a:r>
+              <a:rPr lang="en-US" b="1" u="sng" dirty="0"/>
+              <a:t>Simplified debugging</a:t>
+            </a:r>
+          </a:p>
+          <a:p>
+            <a:pPr marL="0" indent="0">
+              <a:buNone/>
+            </a:pPr>
+            <a:r>
+              <a:rPr lang="en-US" dirty="0"/>
+              <a:t>If a test fails we know it must be caused new code </a:t>
+            </a:r>
+            <a:endParaRPr lang="en-GB" dirty="0"/>
+          </a:p>
+          <a:p>
+            <a:pPr marL="0" indent="0">
+              <a:buNone/>
+            </a:pPr>
+            <a:endParaRPr lang="en-US" dirty="0"/>
+          </a:p>
+          <a:p>
+            <a:pPr marL="0" indent="0">
+              <a:buNone/>
+            </a:pPr>
+            <a:r>
+              <a:rPr lang="en-US" b="1" u="sng" dirty="0"/>
+              <a:t>System documentation</a:t>
+            </a:r>
+          </a:p>
+          <a:p>
+            <a:pPr marL="0" indent="0">
+              <a:buNone/>
+            </a:pPr>
+            <a:r>
+              <a:rPr lang="en-US" dirty="0"/>
+              <a:t>Tests themselves are one form of documentation</a:t>
+            </a:r>
+          </a:p>
+          <a:p>
+            <a:pPr marL="0" indent="0">
+              <a:buNone/>
+            </a:pPr>
+            <a:r>
+              <a:rPr lang="en-US" dirty="0"/>
+              <a:t>(they describe what the code should be doing)</a:t>
+            </a:r>
+            <a:endParaRPr lang="en-GB" dirty="0"/>
+          </a:p>
+          <a:p>
+            <a:endParaRPr lang="en-US" dirty="0"/>
+          </a:p>
+        </p:txBody>
+      </p:sp>
+    </p:spTree>
+  </p:cSld>
+  <p:clrMapOvr>
+    <a:masterClrMapping/>
+  </p:clrMapOvr>
+</p:sld>
+</file>
+
+<file path=ppt/slides/slide21.xml><?xml version="1.0" encoding="utf-8"?>
+<p:sld xmlns:a="http://schemas.openxmlformats.org/drawingml/2006/main" xmlns:r="http://schemas.openxmlformats.org/officeDocument/2006/relationships" xmlns:p="http://schemas.openxmlformats.org/presentationml/2006/main">
+  <p:cSld>
+    <p:spTree>
+      <p:nvGrpSpPr>
+        <p:cNvPr id="1" name=""/>
+        <p:cNvGrpSpPr/>
+        <p:nvPr/>
+      </p:nvGrpSpPr>
+      <p:grpSpPr>
+        <a:xfrm>
+          <a:off x="0" y="0"/>
+          <a:ext cx="0" cy="0"/>
+          <a:chOff x="0" y="0"/>
+          <a:chExt cx="0" cy="0"/>
+        </a:xfrm>
+      </p:grpSpPr>
+      <p:sp>
+        <p:nvSpPr>
+          <p:cNvPr id="2" name="Title 1"/>
+          <p:cNvSpPr>
+            <a:spLocks noGrp="1"/>
+          </p:cNvSpPr>
+          <p:nvPr>
+            <p:ph type="title"/>
+          </p:nvPr>
+        </p:nvSpPr>
+        <p:spPr/>
+        <p:txBody>
+          <a:bodyPr/>
+          <a:lstStyle/>
+          <a:p>
+            <a:r>
+              <a:rPr lang="en-GB" dirty="0"/>
+              <a:t>Scrum</a:t>
+            </a:r>
+          </a:p>
+        </p:txBody>
+      </p:sp>
+      <p:sp>
+        <p:nvSpPr>
+          <p:cNvPr id="3" name="Content Placeholder 2"/>
+          <p:cNvSpPr>
+            <a:spLocks noGrp="1"/>
+          </p:cNvSpPr>
+          <p:nvPr>
+            <p:ph idx="1"/>
+          </p:nvPr>
+        </p:nvSpPr>
+        <p:spPr/>
+        <p:txBody>
+          <a:bodyPr/>
+          <a:lstStyle/>
+          <a:p>
+            <a:pPr marL="0" indent="0" algn="ctr">
+              <a:buNone/>
+            </a:pPr>
+            <a:r>
+              <a:rPr lang="en-GB" dirty="0"/>
+              <a:t>You may also have heard of "Scrum" as an approach to Agile development</a:t>
+            </a:r>
+          </a:p>
+          <a:p>
+            <a:pPr marL="0" indent="0" algn="ctr">
+              <a:buNone/>
+            </a:pPr>
+            <a:endParaRPr lang="en-GB" dirty="0"/>
+          </a:p>
+          <a:p>
+            <a:pPr marL="0" indent="0" algn="ctr">
+              <a:buNone/>
+            </a:pPr>
+            <a:r>
+              <a:rPr lang="en-GB" dirty="0"/>
+              <a:t>Scrum is a Project Management approach: </a:t>
+            </a:r>
+          </a:p>
+          <a:p>
+            <a:pPr marL="0" indent="0" algn="ctr">
+              <a:buNone/>
+            </a:pPr>
+            <a:r>
+              <a:rPr lang="en-GB" dirty="0"/>
+              <a:t> It operates at higher-level than XP</a:t>
+            </a:r>
+          </a:p>
+          <a:p>
+            <a:pPr marL="0" indent="0" algn="ctr">
+              <a:buNone/>
+            </a:pPr>
+            <a:endParaRPr lang="en-GB" dirty="0"/>
+          </a:p>
+          <a:p>
+            <a:pPr marL="0" indent="0" algn="ctr">
+              <a:buNone/>
+            </a:pPr>
+            <a:r>
+              <a:rPr lang="en-GB" dirty="0"/>
+              <a:t>As such XP and Scrum aren't competitors…</a:t>
+            </a:r>
+          </a:p>
+          <a:p>
+            <a:pPr marL="0" indent="0" algn="ctr">
+              <a:buNone/>
+            </a:pPr>
+            <a:r>
+              <a:rPr lang="en-GB" dirty="0"/>
+              <a:t>  They can work well together !</a:t>
+            </a:r>
+          </a:p>
+        </p:txBody>
+      </p:sp>
+    </p:spTree>
+    <p:extLst>
+      <p:ext uri="{BB962C8B-B14F-4D97-AF65-F5344CB8AC3E}">
+        <p14:creationId xmlns:p14="http://schemas.microsoft.com/office/powerpoint/2010/main" val="1974344138"/>
+      </p:ext>
+    </p:extLst>
+  </p:cSld>
+  <p:clrMapOvr>
+    <a:masterClrMapping/>
+  </p:clrMapOvr>
+</p:sld>
+</file>
+
+<file path=ppt/slides/slide22.xml><?xml version="1.0" encoding="utf-8"?>
+<p:sld xmlns:a="http://schemas.openxmlformats.org/drawingml/2006/main" xmlns:r="http://schemas.openxmlformats.org/officeDocument/2006/relationships" xmlns:p="http://schemas.openxmlformats.org/presentationml/2006/main">
+  <p:cSld>
+    <p:spTree>
+      <p:nvGrpSpPr>
+        <p:cNvPr id="1" name=""/>
+        <p:cNvGrpSpPr/>
+        <p:nvPr/>
+      </p:nvGrpSpPr>
+      <p:grpSpPr>
+        <a:xfrm>
+          <a:off x="0" y="0"/>
+          <a:ext cx="0" cy="0"/>
+          <a:chOff x="0" y="0"/>
+          <a:chExt cx="0" cy="0"/>
+        </a:xfrm>
+      </p:grpSpPr>
+      <p:sp>
+        <p:nvSpPr>
+          <p:cNvPr id="2" name="Title 1"/>
+          <p:cNvSpPr>
+            <a:spLocks noGrp="1"/>
+          </p:cNvSpPr>
+          <p:nvPr>
+            <p:ph type="title"/>
+          </p:nvPr>
+        </p:nvSpPr>
+        <p:spPr/>
+        <p:txBody>
+          <a:bodyPr/>
+          <a:lstStyle/>
+          <a:p>
+            <a:r>
+              <a:rPr lang="en-GB" dirty="0"/>
+              <a:t>Key Scrum Concepts</a:t>
+            </a:r>
+          </a:p>
+        </p:txBody>
+      </p:sp>
+      <p:sp>
+        <p:nvSpPr>
+          <p:cNvPr id="3" name="Content Placeholder 2"/>
+          <p:cNvSpPr>
+            <a:spLocks noGrp="1"/>
+          </p:cNvSpPr>
+          <p:nvPr>
+            <p:ph idx="1"/>
+          </p:nvPr>
+        </p:nvSpPr>
+        <p:spPr/>
+        <p:txBody>
+          <a:bodyPr/>
+          <a:lstStyle/>
+          <a:p>
+            <a:r>
+              <a:rPr lang="en-GB" dirty="0"/>
+              <a:t>The Scrum - Stand-up daily meeting of entire team</a:t>
+            </a:r>
+          </a:p>
+          <a:p>
+            <a:r>
+              <a:rPr lang="en-GB" dirty="0"/>
+              <a:t>Scrum Master - Team Leader</a:t>
+            </a:r>
+          </a:p>
+          <a:p>
+            <a:r>
+              <a:rPr lang="en-GB" dirty="0"/>
+              <a:t>Sprint - Short, rapid development iteration </a:t>
+            </a:r>
+          </a:p>
+          <a:p>
+            <a:r>
+              <a:rPr lang="en-GB" dirty="0"/>
+              <a:t>Product Backlog - </a:t>
+            </a:r>
+            <a:r>
+              <a:rPr lang="en-GB" dirty="0" err="1"/>
+              <a:t>ToDo</a:t>
+            </a:r>
+            <a:r>
+              <a:rPr lang="en-GB" dirty="0"/>
+              <a:t> list of jobs that need doing </a:t>
+            </a:r>
+          </a:p>
+          <a:p>
+            <a:r>
+              <a:rPr lang="en-GB" dirty="0"/>
+              <a:t>Product Owner - Client (or their representative) </a:t>
+            </a:r>
+          </a:p>
+          <a:p>
+            <a:endParaRPr lang="en-GB" dirty="0"/>
+          </a:p>
+        </p:txBody>
+      </p:sp>
+    </p:spTree>
+    <p:extLst>
+      <p:ext uri="{BB962C8B-B14F-4D97-AF65-F5344CB8AC3E}">
+        <p14:creationId xmlns:p14="http://schemas.microsoft.com/office/powerpoint/2010/main" val="2912723509"/>
+      </p:ext>
+    </p:extLst>
+  </p:cSld>
+  <p:clrMapOvr>
+    <a:masterClrMapping/>
+  </p:clrMapOvr>
+</p:sld>
+</file>
+
 <file path=ppt/slides/slide23.xml><?xml version="1.0" encoding="utf-8"?>
 <p:sld xmlns:a="http://schemas.openxmlformats.org/drawingml/2006/main" xmlns:r="http://schemas.openxmlformats.org/officeDocument/2006/relationships" xmlns:p="http://schemas.openxmlformats.org/presentationml/2006/main">
   <p:cSld>
@@ -7626,7 +7603,7 @@
           <a:p>
             <a:r>
               <a:rPr lang="en-GB" dirty="0"/>
-              <a:t>Good for green-field development - what about brown (and black) field dev &amp; maintenance ?</a:t>
+              <a:t>Good for green-field dev - what about brownfield dev, legacy systems and maintenance ?</a:t>
             </a:r>
           </a:p>
           <a:p>
@@ -7638,7 +7615,7 @@
           <a:p>
             <a:r>
               <a:rPr lang="en-GB" dirty="0"/>
-              <a:t>Relies on knowledge of developers in team - what if they aren't available (holidays, illness, turnover)</a:t>
+              <a:t>Relies on knowledge of developers in team - what if they aren’t around (holidays, illness, turnover)</a:t>
             </a:r>
           </a:p>
         </p:txBody>
@@ -8301,7 +8278,7 @@
             </a:pPr>
             <a:r>
               <a:rPr lang="en-GB" dirty="0"/>
-              <a:t>  (such as processes, documentation etc)</a:t>
+              <a:t>  (such as processes, tools, documentation etc)</a:t>
             </a:r>
           </a:p>
           <a:p>
@@ -9232,7 +9209,7 @@
           <a:p>
             <a:r>
               <a:rPr lang="en-GB" dirty="0"/>
-              <a:t>Agile Principles (1) – Who likes these ?</a:t>
+              <a:t>Agile Principles (1)</a:t>
             </a:r>
           </a:p>
         </p:txBody>
@@ -9363,7 +9340,7 @@
           <a:p>
             <a:r>
               <a:rPr lang="en-GB" dirty="0"/>
-              <a:t>Agile Principles (2) – Who likes these ?</a:t>
+              <a:t>Agile Principles (2)</a:t>
             </a:r>
           </a:p>
         </p:txBody>
@@ -9402,7 +9379,7 @@
             </a:pPr>
             <a:r>
               <a:rPr lang="en-GB" dirty="0"/>
-              <a:t>  (don’t rely on heroic effort)</a:t>
+              <a:t>  (not relying on heroic effort)</a:t>
             </a:r>
           </a:p>
           <a:p>
@@ -9527,7 +9504,13 @@
           <a:p>
             <a:r>
               <a:rPr lang="en-GB" dirty="0"/>
-              <a:t>An opportunity to sell more books and earn consultancy fees ;o)</a:t>
+              <a:t>An opportunity to sell more books</a:t>
+            </a:r>
+          </a:p>
+          <a:p>
+            <a:r>
+              <a:rPr lang="en-GB" dirty="0"/>
+              <a:t>Earn more consultancy fees ;o)</a:t>
             </a:r>
           </a:p>
         </p:txBody>
